--- a/docs/diagrams/LogicComponentViewCommandSequenceDiagram.pptx
+++ b/docs/diagrams/LogicComponentViewCommandSequenceDiagram.pptx
@@ -5,11 +5,10 @@
     <p:sldMasterId id="2147483648" r:id="rId1"/>
   </p:sldMasterIdLst>
   <p:notesMasterIdLst>
-    <p:notesMasterId r:id="rId4"/>
+    <p:notesMasterId r:id="rId3"/>
   </p:notesMasterIdLst>
   <p:sldIdLst>
     <p:sldId id="267" r:id="rId2"/>
-    <p:sldId id="268" r:id="rId3"/>
   </p:sldIdLst>
   <p:sldSz cx="9144000" cy="6858000" type="screen4x3"/>
   <p:notesSz cx="6858000" cy="9144000"/>
@@ -209,7 +208,7 @@
           <a:p>
             <a:fld id="{F5CC4B3F-88C1-4FFA-B1B6-F41C21DC6924}" type="datetimeFigureOut">
               <a:rPr lang="en-US" smtClean="0"/>
-              <a:t>4/7/2017</a:t>
+              <a:t>4/7/17</a:t>
             </a:fld>
             <a:endParaRPr lang="en-US"/>
           </a:p>
@@ -658,7 +657,7 @@
           <a:p>
             <a:fld id="{78C97017-6FC3-485B-9764-EAC9E56C1D49}" type="datetimeFigureOut">
               <a:rPr lang="en-US" smtClean="0"/>
-              <a:t>4/7/2017</a:t>
+              <a:t>4/7/17</a:t>
             </a:fld>
             <a:endParaRPr lang="en-US"/>
           </a:p>
@@ -828,7 +827,7 @@
           <a:p>
             <a:fld id="{78C97017-6FC3-485B-9764-EAC9E56C1D49}" type="datetimeFigureOut">
               <a:rPr lang="en-US" smtClean="0"/>
-              <a:t>4/7/2017</a:t>
+              <a:t>4/7/17</a:t>
             </a:fld>
             <a:endParaRPr lang="en-US"/>
           </a:p>
@@ -1008,7 +1007,7 @@
           <a:p>
             <a:fld id="{78C97017-6FC3-485B-9764-EAC9E56C1D49}" type="datetimeFigureOut">
               <a:rPr lang="en-US" smtClean="0"/>
-              <a:t>4/7/2017</a:t>
+              <a:t>4/7/17</a:t>
             </a:fld>
             <a:endParaRPr lang="en-US"/>
           </a:p>
@@ -1178,7 +1177,7 @@
           <a:p>
             <a:fld id="{78C97017-6FC3-485B-9764-EAC9E56C1D49}" type="datetimeFigureOut">
               <a:rPr lang="en-US" smtClean="0"/>
-              <a:t>4/7/2017</a:t>
+              <a:t>4/7/17</a:t>
             </a:fld>
             <a:endParaRPr lang="en-US"/>
           </a:p>
@@ -1424,7 +1423,7 @@
           <a:p>
             <a:fld id="{78C97017-6FC3-485B-9764-EAC9E56C1D49}" type="datetimeFigureOut">
               <a:rPr lang="en-US" smtClean="0"/>
-              <a:t>4/7/2017</a:t>
+              <a:t>4/7/17</a:t>
             </a:fld>
             <a:endParaRPr lang="en-US"/>
           </a:p>
@@ -1712,7 +1711,7 @@
           <a:p>
             <a:fld id="{78C97017-6FC3-485B-9764-EAC9E56C1D49}" type="datetimeFigureOut">
               <a:rPr lang="en-US" smtClean="0"/>
-              <a:t>4/7/2017</a:t>
+              <a:t>4/7/17</a:t>
             </a:fld>
             <a:endParaRPr lang="en-US"/>
           </a:p>
@@ -2134,7 +2133,7 @@
           <a:p>
             <a:fld id="{78C97017-6FC3-485B-9764-EAC9E56C1D49}" type="datetimeFigureOut">
               <a:rPr lang="en-US" smtClean="0"/>
-              <a:t>4/7/2017</a:t>
+              <a:t>4/7/17</a:t>
             </a:fld>
             <a:endParaRPr lang="en-US"/>
           </a:p>
@@ -2252,7 +2251,7 @@
           <a:p>
             <a:fld id="{78C97017-6FC3-485B-9764-EAC9E56C1D49}" type="datetimeFigureOut">
               <a:rPr lang="en-US" smtClean="0"/>
-              <a:t>4/7/2017</a:t>
+              <a:t>4/7/17</a:t>
             </a:fld>
             <a:endParaRPr lang="en-US"/>
           </a:p>
@@ -2347,7 +2346,7 @@
           <a:p>
             <a:fld id="{78C97017-6FC3-485B-9764-EAC9E56C1D49}" type="datetimeFigureOut">
               <a:rPr lang="en-US" smtClean="0"/>
-              <a:t>4/7/2017</a:t>
+              <a:t>4/7/17</a:t>
             </a:fld>
             <a:endParaRPr lang="en-US"/>
           </a:p>
@@ -2624,7 +2623,7 @@
           <a:p>
             <a:fld id="{78C97017-6FC3-485B-9764-EAC9E56C1D49}" type="datetimeFigureOut">
               <a:rPr lang="en-US" smtClean="0"/>
-              <a:t>4/7/2017</a:t>
+              <a:t>4/7/17</a:t>
             </a:fld>
             <a:endParaRPr lang="en-US"/>
           </a:p>
@@ -2877,7 +2876,7 @@
           <a:p>
             <a:fld id="{78C97017-6FC3-485B-9764-EAC9E56C1D49}" type="datetimeFigureOut">
               <a:rPr lang="en-US" smtClean="0"/>
-              <a:t>4/7/2017</a:t>
+              <a:t>4/7/17</a:t>
             </a:fld>
             <a:endParaRPr lang="en-US"/>
           </a:p>
@@ -3090,7 +3089,7 @@
           <a:p>
             <a:fld id="{78C97017-6FC3-485B-9764-EAC9E56C1D49}" type="datetimeFigureOut">
               <a:rPr lang="en-US" smtClean="0"/>
-              <a:t>4/7/2017</a:t>
+              <a:t>4/7/17</a:t>
             </a:fld>
             <a:endParaRPr lang="en-US"/>
           </a:p>
@@ -3473,8 +3472,8 @@
         </p:nvSpPr>
         <p:spPr>
           <a:xfrm>
-            <a:off x="685800" y="1981200"/>
-            <a:ext cx="7252956" cy="4000286"/>
+            <a:off x="33822" y="1727822"/>
+            <a:ext cx="9110178" cy="4520577"/>
           </a:xfrm>
           <a:prstGeom prst="roundRect">
             <a:avLst>
@@ -3873,15 +3872,7 @@
                   <a:schemeClr val="bg1"/>
                 </a:solidFill>
               </a:rPr>
-              <a:t>v</a:t>
-            </a:r>
-            <a:r>
-              <a:rPr lang="en-US" sz="1600" dirty="0" smtClean="0">
-                <a:solidFill>
-                  <a:schemeClr val="bg1"/>
-                </a:solidFill>
-              </a:rPr>
-              <a:t>:View</a:t>
+              <a:t>v:View</a:t>
             </a:r>
             <a:r>
               <a:rPr lang="en-US" sz="1600" dirty="0">
@@ -4101,15 +4092,7 @@
                   <a:srgbClr val="0070C0"/>
                 </a:solidFill>
               </a:rPr>
-              <a:t>execute</a:t>
-            </a:r>
-            <a:r>
-              <a:rPr lang="en-US" sz="1400" dirty="0" smtClean="0">
-                <a:solidFill>
-                  <a:srgbClr val="0070C0"/>
-                </a:solidFill>
-              </a:rPr>
-              <a:t>(“view next/7”)</a:t>
+              <a:t>execute(“view next/7”)</a:t>
             </a:r>
             <a:endParaRPr lang="en-US" sz="1400" dirty="0">
               <a:solidFill>
@@ -4317,7 +4300,7 @@
         </p:nvSpPr>
         <p:spPr>
           <a:xfrm>
-            <a:off x="8265896" y="2362200"/>
+            <a:off x="7929723" y="2371627"/>
             <a:ext cx="1030504" cy="346760"/>
           </a:xfrm>
           <a:prstGeom prst="rect">
@@ -4718,11 +4701,6 @@
               </a:rPr>
               <a:t>(7)</a:t>
             </a:r>
-            <a:endParaRPr lang="en-US" dirty="0">
-              <a:solidFill>
-                <a:srgbClr val="7030A0"/>
-              </a:solidFill>
-            </a:endParaRPr>
           </a:p>
         </p:txBody>
       </p:sp>
@@ -4765,11 +4743,7 @@
             </a:r>
             <a:r>
               <a:rPr lang="en-US" sz="1200" dirty="0" smtClean="0"/>
-              <a:t>arse</a:t>
-            </a:r>
-            <a:r>
-              <a:rPr lang="en-US" sz="1200" dirty="0" smtClean="0"/>
-              <a:t>(“next/7”)</a:t>
+              <a:t>arse(“next/7”)</a:t>
             </a:r>
             <a:endParaRPr lang="en-US" sz="1200" dirty="0"/>
           </a:p>
@@ -4810,11 +4784,7 @@
           <a:p>
             <a:r>
               <a:rPr lang="en-US" dirty="0" smtClean="0"/>
-              <a:t>parse</a:t>
-            </a:r>
-            <a:r>
-              <a:rPr lang="en-US" dirty="0" smtClean="0"/>
-              <a:t>(“</a:t>
+              <a:t>parse(“</a:t>
             </a:r>
             <a:r>
               <a:rPr lang="en-US" dirty="0"/>
@@ -5547,2602 +5517,13 @@
   <p:clrMapOvr>
     <a:masterClrMapping/>
   </p:clrMapOvr>
-</p:sld>
-</file>
-
-<file path=ppt/slides/slide2.xml><?xml version="1.0" encoding="utf-8"?>
-<p:sld xmlns:a="http://schemas.openxmlformats.org/drawingml/2006/main" xmlns:r="http://schemas.openxmlformats.org/officeDocument/2006/relationships" xmlns:p="http://schemas.openxmlformats.org/presentationml/2006/main">
-  <p:cSld>
-    <p:spTree>
-      <p:nvGrpSpPr>
-        <p:cNvPr id="1" name=""/>
-        <p:cNvGrpSpPr/>
-        <p:nvPr/>
-      </p:nvGrpSpPr>
-      <p:grpSpPr>
-        <a:xfrm>
-          <a:off x="0" y="0"/>
-          <a:ext cx="0" cy="0"/>
-          <a:chOff x="0" y="0"/>
-          <a:chExt cx="0" cy="0"/>
-        </a:xfrm>
-      </p:grpSpPr>
-      <p:sp>
-        <p:nvSpPr>
-          <p:cNvPr id="2" name="Rectangle 1"/>
-          <p:cNvSpPr/>
-          <p:nvPr/>
-        </p:nvSpPr>
-        <p:spPr>
-          <a:xfrm>
-            <a:off x="415304" y="293303"/>
-            <a:ext cx="8382000" cy="6172200"/>
-          </a:xfrm>
-          <a:prstGeom prst="rect">
-            <a:avLst/>
-          </a:prstGeom>
-          <a:solidFill>
-            <a:schemeClr val="accent1">
-              <a:lumMod val="40000"/>
-              <a:lumOff val="60000"/>
-            </a:schemeClr>
-          </a:solidFill>
-          <a:ln>
-            <a:noFill/>
-          </a:ln>
-        </p:spPr>
-        <p:style>
-          <a:lnRef idx="2">
-            <a:schemeClr val="accent1">
-              <a:shade val="50000"/>
-            </a:schemeClr>
-          </a:lnRef>
-          <a:fillRef idx="1">
-            <a:schemeClr val="accent1"/>
-          </a:fillRef>
-          <a:effectRef idx="0">
-            <a:schemeClr val="accent1"/>
-          </a:effectRef>
-          <a:fontRef idx="minor">
-            <a:schemeClr val="lt1"/>
-          </a:fontRef>
-        </p:style>
-        <p:txBody>
-          <a:bodyPr rtlCol="0" anchor="ctr"/>
-          <a:lstStyle/>
-          <a:p>
-            <a:pPr algn="ctr"/>
-            <a:endParaRPr lang="en-SG"/>
-          </a:p>
-        </p:txBody>
-      </p:sp>
-      <p:sp>
-        <p:nvSpPr>
-          <p:cNvPr id="9" name="Rectangle 62"/>
-          <p:cNvSpPr/>
-          <p:nvPr/>
-        </p:nvSpPr>
-        <p:spPr>
-          <a:xfrm>
-            <a:off x="7470765" y="1482257"/>
-            <a:ext cx="1030504" cy="346760"/>
-          </a:xfrm>
-          <a:prstGeom prst="rect">
-            <a:avLst/>
-          </a:prstGeom>
-          <a:solidFill>
-            <a:schemeClr val="accent4">
-              <a:lumMod val="60000"/>
-              <a:lumOff val="40000"/>
-            </a:schemeClr>
-          </a:solidFill>
-          <a:ln w="19050">
-            <a:solidFill>
-              <a:schemeClr val="accent4">
-                <a:lumMod val="60000"/>
-                <a:lumOff val="40000"/>
-              </a:schemeClr>
-            </a:solidFill>
-          </a:ln>
-          <a:effectLst/>
-        </p:spPr>
-        <p:style>
-          <a:lnRef idx="1">
-            <a:schemeClr val="accent2"/>
-          </a:lnRef>
-          <a:fillRef idx="2">
-            <a:schemeClr val="accent2"/>
-          </a:fillRef>
-          <a:effectRef idx="1">
-            <a:schemeClr val="accent2"/>
-          </a:effectRef>
-          <a:fontRef idx="minor">
-            <a:schemeClr val="dk1"/>
-          </a:fontRef>
-        </p:style>
-        <p:txBody>
-          <a:bodyPr rtlCol="0" anchor="ctr"/>
-          <a:lstStyle/>
-          <a:p>
-            <a:pPr algn="ctr"/>
-            <a:r>
-              <a:rPr lang="en-US" sz="1600" dirty="0">
-                <a:solidFill>
-                  <a:schemeClr val="bg1"/>
-                </a:solidFill>
-              </a:rPr>
-              <a:t>:Model</a:t>
-            </a:r>
-            <a:endParaRPr lang="en-SG" sz="1600" dirty="0">
-              <a:solidFill>
-                <a:schemeClr val="bg1"/>
-              </a:solidFill>
-            </a:endParaRPr>
-          </a:p>
-        </p:txBody>
-      </p:sp>
-      <p:sp>
-        <p:nvSpPr>
-          <p:cNvPr id="10" name="Rectangle 62"/>
-          <p:cNvSpPr/>
-          <p:nvPr/>
-        </p:nvSpPr>
-        <p:spPr>
-          <a:xfrm>
-            <a:off x="6712255" y="4485189"/>
-            <a:ext cx="1590354" cy="461538"/>
-          </a:xfrm>
-          <a:prstGeom prst="rect">
-            <a:avLst/>
-          </a:prstGeom>
-          <a:solidFill>
-            <a:srgbClr val="0070C0"/>
-          </a:solidFill>
-          <a:ln w="19050">
-            <a:solidFill>
-              <a:srgbClr val="0070C0"/>
-            </a:solidFill>
-          </a:ln>
-          <a:effectLst/>
-        </p:spPr>
-        <p:style>
-          <a:lnRef idx="1">
-            <a:schemeClr val="accent2"/>
-          </a:lnRef>
-          <a:fillRef idx="2">
-            <a:schemeClr val="accent2"/>
-          </a:fillRef>
-          <a:effectRef idx="1">
-            <a:schemeClr val="accent2"/>
-          </a:effectRef>
-          <a:fontRef idx="minor">
-            <a:schemeClr val="dk1"/>
-          </a:fontRef>
-        </p:style>
-        <p:txBody>
-          <a:bodyPr rtlCol="0" anchor="ctr"/>
-          <a:lstStyle/>
-          <a:p>
-            <a:pPr algn="ctr"/>
-            <a:r>
-              <a:rPr lang="en-US" sz="1600" dirty="0" err="1" smtClean="0">
-                <a:solidFill>
-                  <a:schemeClr val="bg1"/>
-                </a:solidFill>
-              </a:rPr>
-              <a:t>result:Command</a:t>
-            </a:r>
-            <a:r>
-              <a:rPr lang="en-US" sz="1600" dirty="0" smtClean="0">
-                <a:solidFill>
-                  <a:schemeClr val="bg1"/>
-                </a:solidFill>
-              </a:rPr>
-              <a:t> Result</a:t>
-            </a:r>
-            <a:endParaRPr lang="en-SG" sz="1600" dirty="0">
-              <a:solidFill>
-                <a:schemeClr val="bg1"/>
-              </a:solidFill>
-            </a:endParaRPr>
-          </a:p>
-        </p:txBody>
-      </p:sp>
-      <p:grpSp>
-        <p:nvGrpSpPr>
-          <p:cNvPr id="18" name="Group 17"/>
-          <p:cNvGrpSpPr/>
-          <p:nvPr/>
-        </p:nvGrpSpPr>
-        <p:grpSpPr>
-          <a:xfrm>
-            <a:off x="304800" y="1371600"/>
-            <a:ext cx="2023214" cy="3807664"/>
-            <a:chOff x="304800" y="1371600"/>
-            <a:chExt cx="2023214" cy="3807664"/>
-          </a:xfrm>
-        </p:grpSpPr>
-        <p:sp>
-          <p:nvSpPr>
-            <p:cNvPr id="3" name="Rectangle 2"/>
-            <p:cNvSpPr/>
-            <p:nvPr/>
-          </p:nvSpPr>
-          <p:spPr>
-            <a:xfrm>
-              <a:off x="1524000" y="2133600"/>
-              <a:ext cx="157316" cy="3045664"/>
-            </a:xfrm>
-            <a:prstGeom prst="rect">
-              <a:avLst/>
-            </a:prstGeom>
-            <a:solidFill>
-              <a:srgbClr val="0070C0"/>
-            </a:solidFill>
-            <a:ln>
-              <a:solidFill>
-                <a:srgbClr val="0070C0"/>
-              </a:solidFill>
-            </a:ln>
-            <a:effectLst/>
-          </p:spPr>
-          <p:style>
-            <a:lnRef idx="1">
-              <a:schemeClr val="accent3"/>
-            </a:lnRef>
-            <a:fillRef idx="2">
-              <a:schemeClr val="accent3"/>
-            </a:fillRef>
-            <a:effectRef idx="1">
-              <a:schemeClr val="accent3"/>
-            </a:effectRef>
-            <a:fontRef idx="minor">
-              <a:schemeClr val="dk1"/>
-            </a:fontRef>
-          </p:style>
-          <p:txBody>
-            <a:bodyPr rtlCol="0" anchor="ctr"/>
-            <a:lstStyle/>
-            <a:p>
-              <a:pPr algn="ctr"/>
-              <a:endParaRPr lang="en-SG" sz="1400"/>
-            </a:p>
-          </p:txBody>
-        </p:sp>
-        <p:sp>
-          <p:nvSpPr>
-            <p:cNvPr id="4" name="Rectangle 62"/>
-            <p:cNvSpPr/>
-            <p:nvPr/>
-          </p:nvSpPr>
-          <p:spPr>
-            <a:xfrm>
-              <a:off x="872385" y="1371600"/>
-              <a:ext cx="1455629" cy="346760"/>
-            </a:xfrm>
-            <a:prstGeom prst="rect">
-              <a:avLst/>
-            </a:prstGeom>
-            <a:solidFill>
-              <a:srgbClr val="0070C0"/>
-            </a:solidFill>
-            <a:ln w="19050">
-              <a:solidFill>
-                <a:srgbClr val="0070C0"/>
-              </a:solidFill>
-            </a:ln>
-            <a:effectLst/>
-          </p:spPr>
-          <p:style>
-            <a:lnRef idx="1">
-              <a:schemeClr val="accent2"/>
-            </a:lnRef>
-            <a:fillRef idx="2">
-              <a:schemeClr val="accent2"/>
-            </a:fillRef>
-            <a:effectRef idx="1">
-              <a:schemeClr val="accent2"/>
-            </a:effectRef>
-            <a:fontRef idx="minor">
-              <a:schemeClr val="dk1"/>
-            </a:fontRef>
-          </p:style>
-          <p:txBody>
-            <a:bodyPr rtlCol="0" anchor="ctr"/>
-            <a:lstStyle/>
-            <a:p>
-              <a:pPr algn="ctr"/>
-              <a:r>
-                <a:rPr lang="en-US" sz="1600" dirty="0">
-                  <a:solidFill>
-                    <a:schemeClr val="bg1"/>
-                  </a:solidFill>
-                </a:rPr>
-                <a:t>:</a:t>
-              </a:r>
-              <a:r>
-                <a:rPr lang="en-US" sz="1600" dirty="0" err="1">
-                  <a:solidFill>
-                    <a:schemeClr val="bg1"/>
-                  </a:solidFill>
-                </a:rPr>
-                <a:t>LogicManager</a:t>
-              </a:r>
-              <a:endParaRPr lang="en-SG" sz="1600" dirty="0">
-                <a:solidFill>
-                  <a:schemeClr val="bg1"/>
-                </a:solidFill>
-              </a:endParaRPr>
-            </a:p>
-          </p:txBody>
-        </p:sp>
-        <p:sp>
-          <p:nvSpPr>
-            <p:cNvPr id="11" name="TextBox 10"/>
-            <p:cNvSpPr txBox="1"/>
-            <p:nvPr/>
-          </p:nvSpPr>
-          <p:spPr>
-            <a:xfrm>
-              <a:off x="304800" y="2133600"/>
-              <a:ext cx="1219200" cy="215444"/>
-            </a:xfrm>
-            <a:prstGeom prst="rect">
-              <a:avLst/>
-            </a:prstGeom>
-            <a:noFill/>
-          </p:spPr>
-          <p:txBody>
-            <a:bodyPr wrap="square" lIns="0" tIns="0" rIns="0" bIns="0" rtlCol="0">
-              <a:spAutoFit/>
-            </a:bodyPr>
-            <a:lstStyle/>
-            <a:p>
-              <a:pPr algn="r"/>
-              <a:r>
-                <a:rPr lang="en-US" sz="1400" dirty="0" smtClean="0">
-                  <a:solidFill>
-                    <a:srgbClr val="0070C0"/>
-                  </a:solidFill>
-                </a:rPr>
-                <a:t>execute(“undo”)</a:t>
-              </a:r>
-              <a:endParaRPr lang="en-US" sz="1400" dirty="0">
-                <a:solidFill>
-                  <a:srgbClr val="0070C0"/>
-                </a:solidFill>
-              </a:endParaRPr>
-            </a:p>
-          </p:txBody>
-        </p:sp>
-        <p:cxnSp>
-          <p:nvCxnSpPr>
-            <p:cNvPr id="12" name="Straight Arrow Connector 11"/>
-            <p:cNvCxnSpPr/>
-            <p:nvPr/>
-          </p:nvCxnSpPr>
-          <p:spPr>
-            <a:xfrm>
-              <a:off x="404149" y="2362200"/>
-              <a:ext cx="1119851" cy="0"/>
-            </a:xfrm>
-            <a:prstGeom prst="straightConnector1">
-              <a:avLst/>
-            </a:prstGeom>
-            <a:ln w="19050">
-              <a:solidFill>
-                <a:srgbClr val="00B050"/>
-              </a:solidFill>
-              <a:tailEnd type="arrow"/>
-            </a:ln>
-          </p:spPr>
-          <p:style>
-            <a:lnRef idx="1">
-              <a:schemeClr val="accent1"/>
-            </a:lnRef>
-            <a:fillRef idx="0">
-              <a:schemeClr val="accent1"/>
-            </a:fillRef>
-            <a:effectRef idx="0">
-              <a:schemeClr val="accent1"/>
-            </a:effectRef>
-            <a:fontRef idx="minor">
-              <a:schemeClr val="tx1"/>
-            </a:fontRef>
-          </p:style>
-        </p:cxnSp>
-        <p:sp>
-          <p:nvSpPr>
-            <p:cNvPr id="13" name="TextBox 12"/>
-            <p:cNvSpPr txBox="1"/>
-            <p:nvPr/>
-          </p:nvSpPr>
-          <p:spPr>
-            <a:xfrm>
-              <a:off x="762000" y="4783522"/>
-              <a:ext cx="762000" cy="215444"/>
-            </a:xfrm>
-            <a:prstGeom prst="rect">
-              <a:avLst/>
-            </a:prstGeom>
-            <a:noFill/>
-          </p:spPr>
-          <p:txBody>
-            <a:bodyPr wrap="square" lIns="0" tIns="0" rIns="0" bIns="0" rtlCol="0">
-              <a:spAutoFit/>
-            </a:bodyPr>
-            <a:lstStyle>
-              <a:defPPr>
-                <a:defRPr lang="en-US"/>
-              </a:defPPr>
-              <a:lvl1pPr algn="r">
-                <a:defRPr sz="1400">
-                  <a:solidFill>
-                    <a:srgbClr val="0070C0"/>
-                  </a:solidFill>
-                </a:defRPr>
-              </a:lvl1pPr>
-            </a:lstStyle>
-            <a:p>
-              <a:r>
-                <a:rPr lang="en-US" dirty="0" smtClean="0"/>
-                <a:t>result</a:t>
-              </a:r>
-              <a:endParaRPr lang="en-US" dirty="0"/>
-            </a:p>
-          </p:txBody>
-        </p:sp>
-        <p:cxnSp>
-          <p:nvCxnSpPr>
-            <p:cNvPr id="14" name="Straight Arrow Connector 13"/>
-            <p:cNvCxnSpPr/>
-            <p:nvPr/>
-          </p:nvCxnSpPr>
-          <p:spPr>
-            <a:xfrm>
-              <a:off x="339638" y="5089823"/>
-              <a:ext cx="1196051" cy="0"/>
-            </a:xfrm>
-            <a:prstGeom prst="straightConnector1">
-              <a:avLst/>
-            </a:prstGeom>
-            <a:ln w="19050">
-              <a:solidFill>
-                <a:schemeClr val="accent1"/>
-              </a:solidFill>
-              <a:prstDash val="sysDash"/>
-              <a:headEnd type="arrow" w="med" len="med"/>
-              <a:tailEnd type="none" w="med" len="med"/>
-            </a:ln>
-          </p:spPr>
-          <p:style>
-            <a:lnRef idx="1">
-              <a:schemeClr val="accent1"/>
-            </a:lnRef>
-            <a:fillRef idx="0">
-              <a:schemeClr val="accent1"/>
-            </a:fillRef>
-            <a:effectRef idx="0">
-              <a:schemeClr val="accent1"/>
-            </a:effectRef>
-            <a:fontRef idx="minor">
-              <a:schemeClr val="tx1"/>
-            </a:fontRef>
-          </p:style>
-        </p:cxnSp>
-        <p:cxnSp>
-          <p:nvCxnSpPr>
-            <p:cNvPr id="15" name="Straight Connector 14"/>
-            <p:cNvCxnSpPr>
-              <a:stCxn id="4" idx="2"/>
-              <a:endCxn id="3" idx="0"/>
-            </p:cNvCxnSpPr>
-            <p:nvPr/>
-          </p:nvCxnSpPr>
-          <p:spPr>
-            <a:xfrm>
-              <a:off x="1600200" y="1718360"/>
-              <a:ext cx="2458" cy="415240"/>
-            </a:xfrm>
-            <a:prstGeom prst="line">
-              <a:avLst/>
-            </a:prstGeom>
-            <a:ln w="19050">
-              <a:solidFill>
-                <a:srgbClr val="0070C0"/>
-              </a:solidFill>
-              <a:prstDash val="sysDash"/>
-            </a:ln>
-            <a:effectLst/>
-          </p:spPr>
-          <p:style>
-            <a:lnRef idx="1">
-              <a:schemeClr val="accent1"/>
-            </a:lnRef>
-            <a:fillRef idx="2">
-              <a:schemeClr val="accent1"/>
-            </a:fillRef>
-            <a:effectRef idx="1">
-              <a:schemeClr val="accent1"/>
-            </a:effectRef>
-            <a:fontRef idx="minor">
-              <a:schemeClr val="dk1"/>
-            </a:fontRef>
-          </p:style>
-        </p:cxnSp>
-      </p:grpSp>
-      <p:grpSp>
-        <p:nvGrpSpPr>
-          <p:cNvPr id="37" name="Group 36"/>
-          <p:cNvGrpSpPr/>
-          <p:nvPr/>
-        </p:nvGrpSpPr>
-        <p:grpSpPr>
-          <a:xfrm>
-            <a:off x="1535689" y="1371600"/>
-            <a:ext cx="1893312" cy="2082650"/>
-            <a:chOff x="1535689" y="1371600"/>
-            <a:chExt cx="1893312" cy="2082650"/>
-          </a:xfrm>
-        </p:grpSpPr>
-        <p:sp>
-          <p:nvSpPr>
-            <p:cNvPr id="5" name="Rectangle 62"/>
-            <p:cNvSpPr/>
-            <p:nvPr/>
-          </p:nvSpPr>
-          <p:spPr>
-            <a:xfrm>
-              <a:off x="2667001" y="1371600"/>
-              <a:ext cx="762000" cy="346760"/>
-            </a:xfrm>
-            <a:prstGeom prst="rect">
-              <a:avLst/>
-            </a:prstGeom>
-            <a:solidFill>
-              <a:srgbClr val="0070C0"/>
-            </a:solidFill>
-            <a:ln w="19050">
-              <a:solidFill>
-                <a:srgbClr val="0070C0"/>
-              </a:solidFill>
-            </a:ln>
-            <a:effectLst/>
-          </p:spPr>
-          <p:style>
-            <a:lnRef idx="1">
-              <a:schemeClr val="accent2"/>
-            </a:lnRef>
-            <a:fillRef idx="2">
-              <a:schemeClr val="accent2"/>
-            </a:fillRef>
-            <a:effectRef idx="1">
-              <a:schemeClr val="accent2"/>
-            </a:effectRef>
-            <a:fontRef idx="minor">
-              <a:schemeClr val="dk1"/>
-            </a:fontRef>
-          </p:style>
-          <p:txBody>
-            <a:bodyPr rtlCol="0" anchor="ctr"/>
-            <a:lstStyle/>
-            <a:p>
-              <a:pPr algn="ctr"/>
-              <a:r>
-                <a:rPr lang="en-US" sz="1600" dirty="0" smtClean="0">
-                  <a:solidFill>
-                    <a:schemeClr val="bg1"/>
-                  </a:solidFill>
-                </a:rPr>
-                <a:t>:</a:t>
-              </a:r>
-              <a:r>
-                <a:rPr lang="en-US" sz="1600" dirty="0">
-                  <a:solidFill>
-                    <a:schemeClr val="bg1"/>
-                  </a:solidFill>
-                </a:rPr>
-                <a:t>P</a:t>
-              </a:r>
-              <a:r>
-                <a:rPr lang="en-US" sz="1600" dirty="0" smtClean="0">
-                  <a:solidFill>
-                    <a:schemeClr val="bg1"/>
-                  </a:solidFill>
-                </a:rPr>
-                <a:t>arser</a:t>
-              </a:r>
-              <a:endParaRPr lang="en-SG" sz="1600" dirty="0">
-                <a:solidFill>
-                  <a:schemeClr val="bg1"/>
-                </a:solidFill>
-              </a:endParaRPr>
-            </a:p>
-          </p:txBody>
-        </p:sp>
-        <p:sp>
-          <p:nvSpPr>
-            <p:cNvPr id="19" name="Rectangle 18"/>
-            <p:cNvSpPr/>
-            <p:nvPr/>
-          </p:nvSpPr>
-          <p:spPr>
-            <a:xfrm>
-              <a:off x="2960535" y="2324791"/>
-              <a:ext cx="174929" cy="1129459"/>
-            </a:xfrm>
-            <a:prstGeom prst="rect">
-              <a:avLst/>
-            </a:prstGeom>
-            <a:solidFill>
-              <a:srgbClr val="0070C0"/>
-            </a:solidFill>
-            <a:ln>
-              <a:solidFill>
-                <a:srgbClr val="0070C0"/>
-              </a:solidFill>
-            </a:ln>
-            <a:effectLst/>
-          </p:spPr>
-          <p:style>
-            <a:lnRef idx="1">
-              <a:schemeClr val="accent3"/>
-            </a:lnRef>
-            <a:fillRef idx="2">
-              <a:schemeClr val="accent3"/>
-            </a:fillRef>
-            <a:effectRef idx="1">
-              <a:schemeClr val="accent3"/>
-            </a:effectRef>
-            <a:fontRef idx="minor">
-              <a:schemeClr val="dk1"/>
-            </a:fontRef>
-          </p:style>
-          <p:txBody>
-            <a:bodyPr rtlCol="0" anchor="ctr"/>
-            <a:lstStyle/>
-            <a:p>
-              <a:pPr algn="ctr"/>
-              <a:endParaRPr lang="en-SG" sz="1400">
-                <a:solidFill>
-                  <a:schemeClr val="dk1"/>
-                </a:solidFill>
-              </a:endParaRPr>
-            </a:p>
-          </p:txBody>
-        </p:sp>
-        <p:sp>
-          <p:nvSpPr>
-            <p:cNvPr id="20" name="TextBox 19"/>
-            <p:cNvSpPr txBox="1"/>
-            <p:nvPr/>
-          </p:nvSpPr>
-          <p:spPr>
-            <a:xfrm>
-              <a:off x="1535689" y="2146169"/>
-              <a:ext cx="1424846" cy="215444"/>
-            </a:xfrm>
-            <a:prstGeom prst="rect">
-              <a:avLst/>
-            </a:prstGeom>
-            <a:noFill/>
-          </p:spPr>
-          <p:txBody>
-            <a:bodyPr wrap="square" lIns="0" tIns="0" rIns="0" bIns="0" rtlCol="0">
-              <a:spAutoFit/>
-            </a:bodyPr>
-            <a:lstStyle>
-              <a:defPPr>
-                <a:defRPr lang="en-US"/>
-              </a:defPPr>
-              <a:lvl1pPr algn="r">
-                <a:defRPr sz="1400">
-                  <a:solidFill>
-                    <a:srgbClr val="0070C0"/>
-                  </a:solidFill>
-                </a:defRPr>
-              </a:lvl1pPr>
-            </a:lstStyle>
-            <a:p>
-              <a:r>
-                <a:rPr lang="en-US" dirty="0" smtClean="0"/>
-                <a:t>parse(“undo”)</a:t>
-              </a:r>
-              <a:endParaRPr lang="en-US" dirty="0"/>
-            </a:p>
-          </p:txBody>
-        </p:sp>
-        <p:cxnSp>
-          <p:nvCxnSpPr>
-            <p:cNvPr id="21" name="Straight Arrow Connector 20"/>
-            <p:cNvCxnSpPr/>
-            <p:nvPr/>
-          </p:nvCxnSpPr>
-          <p:spPr>
-            <a:xfrm>
-              <a:off x="1676400" y="2361613"/>
-              <a:ext cx="1284135" cy="0"/>
-            </a:xfrm>
-            <a:prstGeom prst="straightConnector1">
-              <a:avLst/>
-            </a:prstGeom>
-            <a:ln w="19050">
-              <a:solidFill>
-                <a:srgbClr val="0070C0"/>
-              </a:solidFill>
-              <a:tailEnd type="arrow"/>
-            </a:ln>
-          </p:spPr>
-          <p:style>
-            <a:lnRef idx="1">
-              <a:schemeClr val="accent1"/>
-            </a:lnRef>
-            <a:fillRef idx="0">
-              <a:schemeClr val="accent1"/>
-            </a:fillRef>
-            <a:effectRef idx="0">
-              <a:schemeClr val="accent1"/>
-            </a:effectRef>
-            <a:fontRef idx="minor">
-              <a:schemeClr val="tx1"/>
-            </a:fontRef>
-          </p:style>
-        </p:cxnSp>
-        <p:cxnSp>
-          <p:nvCxnSpPr>
-            <p:cNvPr id="22" name="Straight Arrow Connector 21"/>
-            <p:cNvCxnSpPr/>
-            <p:nvPr/>
-          </p:nvCxnSpPr>
-          <p:spPr>
-            <a:xfrm>
-              <a:off x="1676400" y="3379404"/>
-              <a:ext cx="1284135" cy="0"/>
-            </a:xfrm>
-            <a:prstGeom prst="straightConnector1">
-              <a:avLst/>
-            </a:prstGeom>
-            <a:ln w="19050">
-              <a:solidFill>
-                <a:srgbClr val="0070C0"/>
-              </a:solidFill>
-              <a:prstDash val="sysDash"/>
-              <a:headEnd type="arrow" w="med" len="med"/>
-              <a:tailEnd type="none" w="med" len="med"/>
-            </a:ln>
-          </p:spPr>
-          <p:style>
-            <a:lnRef idx="1">
-              <a:schemeClr val="accent1"/>
-            </a:lnRef>
-            <a:fillRef idx="0">
-              <a:schemeClr val="accent1"/>
-            </a:fillRef>
-            <a:effectRef idx="0">
-              <a:schemeClr val="accent1"/>
-            </a:effectRef>
-            <a:fontRef idx="minor">
-              <a:schemeClr val="tx1"/>
-            </a:fontRef>
-          </p:style>
-        </p:cxnSp>
-        <p:sp>
-          <p:nvSpPr>
-            <p:cNvPr id="27" name="TextBox 26"/>
-            <p:cNvSpPr txBox="1"/>
-            <p:nvPr/>
-          </p:nvSpPr>
-          <p:spPr>
-            <a:xfrm>
-              <a:off x="2201744" y="3089115"/>
-              <a:ext cx="220343" cy="215444"/>
-            </a:xfrm>
-            <a:prstGeom prst="rect">
-              <a:avLst/>
-            </a:prstGeom>
-            <a:noFill/>
-          </p:spPr>
-          <p:txBody>
-            <a:bodyPr wrap="square" lIns="0" tIns="0" rIns="0" bIns="0" rtlCol="0">
-              <a:spAutoFit/>
-            </a:bodyPr>
-            <a:lstStyle>
-              <a:defPPr>
-                <a:defRPr lang="en-US"/>
-              </a:defPPr>
-              <a:lvl1pPr algn="r">
-                <a:defRPr sz="1400">
-                  <a:solidFill>
-                    <a:srgbClr val="0070C0"/>
-                  </a:solidFill>
-                </a:defRPr>
-              </a:lvl1pPr>
-            </a:lstStyle>
-            <a:p>
-              <a:r>
-                <a:rPr lang="en-US" dirty="0"/>
-                <a:t>u</a:t>
-              </a:r>
-            </a:p>
-          </p:txBody>
-        </p:sp>
-        <p:cxnSp>
-          <p:nvCxnSpPr>
-            <p:cNvPr id="28" name="Straight Connector 27"/>
-            <p:cNvCxnSpPr>
-              <a:stCxn id="5" idx="2"/>
-              <a:endCxn id="19" idx="0"/>
-            </p:cNvCxnSpPr>
-            <p:nvPr/>
-          </p:nvCxnSpPr>
-          <p:spPr>
-            <a:xfrm flipH="1">
-              <a:off x="3048000" y="1718360"/>
-              <a:ext cx="1" cy="606431"/>
-            </a:xfrm>
-            <a:prstGeom prst="line">
-              <a:avLst/>
-            </a:prstGeom>
-            <a:ln w="19050">
-              <a:solidFill>
-                <a:srgbClr val="0070C0"/>
-              </a:solidFill>
-              <a:prstDash val="sysDash"/>
-            </a:ln>
-            <a:effectLst/>
-          </p:spPr>
-          <p:style>
-            <a:lnRef idx="1">
-              <a:schemeClr val="accent1"/>
-            </a:lnRef>
-            <a:fillRef idx="2">
-              <a:schemeClr val="accent1"/>
-            </a:fillRef>
-            <a:effectRef idx="1">
-              <a:schemeClr val="accent1"/>
-            </a:effectRef>
-            <a:fontRef idx="minor">
-              <a:schemeClr val="dk1"/>
-            </a:fontRef>
-          </p:style>
-        </p:cxnSp>
-      </p:grpSp>
-      <p:grpSp>
-        <p:nvGrpSpPr>
-          <p:cNvPr id="101" name="Group 100"/>
-          <p:cNvGrpSpPr/>
-          <p:nvPr/>
-        </p:nvGrpSpPr>
-        <p:grpSpPr>
-          <a:xfrm>
-            <a:off x="3135464" y="1358729"/>
-            <a:ext cx="3915433" cy="2020674"/>
-            <a:chOff x="3135464" y="1358729"/>
-            <a:chExt cx="3915433" cy="2020674"/>
-          </a:xfrm>
-        </p:grpSpPr>
-        <p:grpSp>
-          <p:nvGrpSpPr>
-            <p:cNvPr id="100" name="Group 99"/>
-            <p:cNvGrpSpPr/>
-            <p:nvPr/>
-          </p:nvGrpSpPr>
-          <p:grpSpPr>
-            <a:xfrm>
-              <a:off x="4754503" y="2194354"/>
-              <a:ext cx="2296394" cy="842681"/>
-              <a:chOff x="4754503" y="2194354"/>
-              <a:chExt cx="2296394" cy="842681"/>
-            </a:xfrm>
-          </p:grpSpPr>
-          <p:grpSp>
-            <p:nvGrpSpPr>
-              <p:cNvPr id="57" name="Group 56"/>
-              <p:cNvGrpSpPr/>
-              <p:nvPr/>
-            </p:nvGrpSpPr>
-            <p:grpSpPr>
-              <a:xfrm>
-                <a:off x="5907897" y="2296964"/>
-                <a:ext cx="1143000" cy="740071"/>
-                <a:chOff x="7017070" y="1275138"/>
-                <a:chExt cx="1143000" cy="740071"/>
-              </a:xfrm>
-            </p:grpSpPr>
-            <p:sp>
-              <p:nvSpPr>
-                <p:cNvPr id="8" name="Rectangle 62"/>
-                <p:cNvSpPr/>
-                <p:nvPr/>
-              </p:nvSpPr>
-              <p:spPr>
-                <a:xfrm>
-                  <a:off x="7017070" y="1275138"/>
-                  <a:ext cx="1143000" cy="533400"/>
-                </a:xfrm>
-                <a:prstGeom prst="rect">
-                  <a:avLst/>
-                </a:prstGeom>
-                <a:solidFill>
-                  <a:srgbClr val="0070C0"/>
-                </a:solidFill>
-                <a:ln w="19050">
-                  <a:solidFill>
-                    <a:srgbClr val="0070C0"/>
-                  </a:solidFill>
-                </a:ln>
-                <a:effectLst/>
-              </p:spPr>
-              <p:style>
-                <a:lnRef idx="1">
-                  <a:schemeClr val="accent2"/>
-                </a:lnRef>
-                <a:fillRef idx="2">
-                  <a:schemeClr val="accent2"/>
-                </a:fillRef>
-                <a:effectRef idx="1">
-                  <a:schemeClr val="accent2"/>
-                </a:effectRef>
-                <a:fontRef idx="minor">
-                  <a:schemeClr val="dk1"/>
-                </a:fontRef>
-              </p:style>
-              <p:txBody>
-                <a:bodyPr rtlCol="0" anchor="ctr"/>
-                <a:lstStyle/>
-                <a:p>
-                  <a:pPr algn="ctr"/>
-                  <a:r>
-                    <a:rPr lang="en-US" sz="1600" dirty="0" smtClean="0">
-                      <a:solidFill>
-                        <a:schemeClr val="bg1"/>
-                      </a:solidFill>
-                    </a:rPr>
-                    <a:t>a:Add</a:t>
-                  </a:r>
-                </a:p>
-                <a:p>
-                  <a:pPr algn="ctr"/>
-                  <a:r>
-                    <a:rPr lang="en-US" sz="1600" dirty="0" smtClean="0">
-                      <a:solidFill>
-                        <a:schemeClr val="bg1"/>
-                      </a:solidFill>
-                    </a:rPr>
-                    <a:t>Command</a:t>
-                  </a:r>
-                  <a:endParaRPr lang="en-SG" sz="1600" dirty="0">
-                    <a:solidFill>
-                      <a:schemeClr val="bg1"/>
-                    </a:solidFill>
-                  </a:endParaRPr>
-                </a:p>
-              </p:txBody>
-            </p:sp>
-            <p:sp>
-              <p:nvSpPr>
-                <p:cNvPr id="55" name="Rectangle 54"/>
-                <p:cNvSpPr/>
-                <p:nvPr/>
-              </p:nvSpPr>
-              <p:spPr>
-                <a:xfrm>
-                  <a:off x="7490289" y="1811679"/>
-                  <a:ext cx="197115" cy="203530"/>
-                </a:xfrm>
-                <a:prstGeom prst="rect">
-                  <a:avLst/>
-                </a:prstGeom>
-                <a:solidFill>
-                  <a:srgbClr val="0070C0"/>
-                </a:solidFill>
-                <a:ln>
-                  <a:solidFill>
-                    <a:srgbClr val="0070C0"/>
-                  </a:solidFill>
-                </a:ln>
-                <a:effectLst/>
-              </p:spPr>
-              <p:style>
-                <a:lnRef idx="1">
-                  <a:schemeClr val="accent3"/>
-                </a:lnRef>
-                <a:fillRef idx="2">
-                  <a:schemeClr val="accent3"/>
-                </a:fillRef>
-                <a:effectRef idx="1">
-                  <a:schemeClr val="accent3"/>
-                </a:effectRef>
-                <a:fontRef idx="minor">
-                  <a:schemeClr val="dk1"/>
-                </a:fontRef>
-              </p:style>
-              <p:txBody>
-                <a:bodyPr rtlCol="0" anchor="ctr"/>
-                <a:lstStyle/>
-                <a:p>
-                  <a:pPr algn="ctr"/>
-                  <a:endParaRPr lang="en-SG" sz="1400">
-                    <a:solidFill>
-                      <a:schemeClr val="dk1"/>
-                    </a:solidFill>
-                  </a:endParaRPr>
-                </a:p>
-              </p:txBody>
-            </p:sp>
-          </p:grpSp>
-          <p:cxnSp>
-            <p:nvCxnSpPr>
-              <p:cNvPr id="69" name="Straight Arrow Connector 68"/>
-              <p:cNvCxnSpPr/>
-              <p:nvPr/>
-            </p:nvCxnSpPr>
-            <p:spPr>
-              <a:xfrm>
-                <a:off x="5069291" y="2695773"/>
-                <a:ext cx="850742" cy="293"/>
-              </a:xfrm>
-              <a:prstGeom prst="straightConnector1">
-                <a:avLst/>
-              </a:prstGeom>
-              <a:ln w="19050">
-                <a:solidFill>
-                  <a:srgbClr val="0070C0"/>
-                </a:solidFill>
-                <a:tailEnd type="arrow"/>
-              </a:ln>
-            </p:spPr>
-            <p:style>
-              <a:lnRef idx="1">
-                <a:schemeClr val="accent1"/>
-              </a:lnRef>
-              <a:fillRef idx="0">
-                <a:schemeClr val="accent1"/>
-              </a:fillRef>
-              <a:effectRef idx="0">
-                <a:schemeClr val="accent1"/>
-              </a:effectRef>
-              <a:fontRef idx="minor">
-                <a:schemeClr val="tx1"/>
-              </a:fontRef>
-            </p:style>
-          </p:cxnSp>
-          <p:sp>
-            <p:nvSpPr>
-              <p:cNvPr id="73" name="TextBox 72"/>
-              <p:cNvSpPr txBox="1"/>
-              <p:nvPr/>
-            </p:nvSpPr>
-            <p:spPr>
-              <a:xfrm>
-                <a:off x="4754503" y="2194354"/>
-                <a:ext cx="1118067" cy="430887"/>
-              </a:xfrm>
-              <a:prstGeom prst="rect">
-                <a:avLst/>
-              </a:prstGeom>
-              <a:noFill/>
-            </p:spPr>
-            <p:txBody>
-              <a:bodyPr wrap="square" lIns="0" tIns="0" rIns="0" bIns="0" rtlCol="0">
-                <a:spAutoFit/>
-              </a:bodyPr>
-              <a:lstStyle>
-                <a:defPPr>
-                  <a:defRPr lang="en-US"/>
-                </a:defPPr>
-                <a:lvl1pPr algn="r">
-                  <a:defRPr sz="1400">
-                    <a:solidFill>
-                      <a:srgbClr val="0070C0"/>
-                    </a:solidFill>
-                  </a:defRPr>
-                </a:lvl1pPr>
-              </a:lstStyle>
-              <a:p>
-                <a:r>
-                  <a:rPr lang="en-US" dirty="0" err="1" smtClean="0"/>
-                  <a:t>getUndo</a:t>
-                </a:r>
-                <a:endParaRPr lang="en-US" dirty="0" smtClean="0"/>
-              </a:p>
-              <a:p>
-                <a:r>
-                  <a:rPr lang="en-US" dirty="0" smtClean="0"/>
-                  <a:t>Command()</a:t>
-                </a:r>
-                <a:endParaRPr lang="en-US" dirty="0"/>
-              </a:p>
-            </p:txBody>
-          </p:sp>
-          <p:cxnSp>
-            <p:nvCxnSpPr>
-              <p:cNvPr id="79" name="Straight Arrow Connector 78"/>
-              <p:cNvCxnSpPr/>
-              <p:nvPr/>
-            </p:nvCxnSpPr>
-            <p:spPr>
-              <a:xfrm>
-                <a:off x="5033964" y="2999903"/>
-                <a:ext cx="1347152" cy="13076"/>
-              </a:xfrm>
-              <a:prstGeom prst="straightConnector1">
-                <a:avLst/>
-              </a:prstGeom>
-              <a:ln w="19050">
-                <a:solidFill>
-                  <a:srgbClr val="0070C0"/>
-                </a:solidFill>
-                <a:prstDash val="sysDash"/>
-                <a:headEnd type="arrow" w="med" len="med"/>
-                <a:tailEnd type="none" w="med" len="med"/>
-              </a:ln>
-            </p:spPr>
-            <p:style>
-              <a:lnRef idx="1">
-                <a:schemeClr val="accent1"/>
-              </a:lnRef>
-              <a:fillRef idx="0">
-                <a:schemeClr val="accent1"/>
-              </a:fillRef>
-              <a:effectRef idx="0">
-                <a:schemeClr val="accent1"/>
-              </a:effectRef>
-              <a:fontRef idx="minor">
-                <a:schemeClr val="tx1"/>
-              </a:fontRef>
-            </p:style>
-          </p:cxnSp>
-        </p:grpSp>
-        <p:grpSp>
-          <p:nvGrpSpPr>
-            <p:cNvPr id="99" name="Group 98"/>
-            <p:cNvGrpSpPr/>
-            <p:nvPr/>
-          </p:nvGrpSpPr>
-          <p:grpSpPr>
-            <a:xfrm>
-              <a:off x="4228955" y="1358729"/>
-              <a:ext cx="1312560" cy="1841671"/>
-              <a:chOff x="4228955" y="1358729"/>
-              <a:chExt cx="1312560" cy="1841671"/>
-            </a:xfrm>
-          </p:grpSpPr>
-          <p:cxnSp>
-            <p:nvCxnSpPr>
-              <p:cNvPr id="58" name="Straight Arrow Connector 57"/>
-              <p:cNvCxnSpPr/>
-              <p:nvPr/>
-            </p:nvCxnSpPr>
-            <p:spPr>
-              <a:xfrm flipV="1">
-                <a:off x="4228955" y="2828072"/>
-                <a:ext cx="617146" cy="2292"/>
-              </a:xfrm>
-              <a:prstGeom prst="straightConnector1">
-                <a:avLst/>
-              </a:prstGeom>
-              <a:ln w="19050">
-                <a:solidFill>
-                  <a:srgbClr val="0070C0"/>
-                </a:solidFill>
-                <a:tailEnd type="arrow"/>
-              </a:ln>
-            </p:spPr>
-            <p:style>
-              <a:lnRef idx="1">
-                <a:schemeClr val="accent1"/>
-              </a:lnRef>
-              <a:fillRef idx="0">
-                <a:schemeClr val="accent1"/>
-              </a:fillRef>
-              <a:effectRef idx="0">
-                <a:schemeClr val="accent1"/>
-              </a:effectRef>
-              <a:fontRef idx="minor">
-                <a:schemeClr val="tx1"/>
-              </a:fontRef>
-            </p:style>
-          </p:cxnSp>
-          <p:grpSp>
-            <p:nvGrpSpPr>
-              <p:cNvPr id="67" name="Group 66"/>
-              <p:cNvGrpSpPr/>
-              <p:nvPr/>
-            </p:nvGrpSpPr>
-            <p:grpSpPr>
-              <a:xfrm>
-                <a:off x="4335263" y="1358729"/>
-                <a:ext cx="1206252" cy="1841671"/>
-                <a:chOff x="4335263" y="1358729"/>
-                <a:chExt cx="1206252" cy="1841671"/>
-              </a:xfrm>
-            </p:grpSpPr>
-            <p:sp>
-              <p:nvSpPr>
-                <p:cNvPr id="7" name="Rectangle 62"/>
-                <p:cNvSpPr/>
-                <p:nvPr/>
-              </p:nvSpPr>
-              <p:spPr>
-                <a:xfrm>
-                  <a:off x="4335263" y="1358729"/>
-                  <a:ext cx="1206252" cy="533400"/>
-                </a:xfrm>
-                <a:prstGeom prst="rect">
-                  <a:avLst/>
-                </a:prstGeom>
-                <a:solidFill>
-                  <a:srgbClr val="0070C0"/>
-                </a:solidFill>
-                <a:ln w="19050">
-                  <a:solidFill>
-                    <a:srgbClr val="0070C0"/>
-                  </a:solidFill>
-                </a:ln>
-                <a:effectLst/>
-              </p:spPr>
-              <p:style>
-                <a:lnRef idx="1">
-                  <a:schemeClr val="accent2"/>
-                </a:lnRef>
-                <a:fillRef idx="2">
-                  <a:schemeClr val="accent2"/>
-                </a:fillRef>
-                <a:effectRef idx="1">
-                  <a:schemeClr val="accent2"/>
-                </a:effectRef>
-                <a:fontRef idx="minor">
-                  <a:schemeClr val="dk1"/>
-                </a:fontRef>
-              </p:style>
-              <p:txBody>
-                <a:bodyPr rtlCol="0" anchor="ctr"/>
-                <a:lstStyle/>
-                <a:p>
-                  <a:pPr algn="ctr"/>
-                  <a:r>
-                    <a:rPr lang="en-US" sz="1600" dirty="0" smtClean="0">
-                      <a:solidFill>
-                        <a:schemeClr val="bg1"/>
-                      </a:solidFill>
-                    </a:rPr>
-                    <a:t>d:Delete</a:t>
-                  </a:r>
-                </a:p>
-                <a:p>
-                  <a:pPr algn="ctr"/>
-                  <a:r>
-                    <a:rPr lang="en-US" sz="1600" dirty="0" smtClean="0">
-                      <a:solidFill>
-                        <a:schemeClr val="bg1"/>
-                      </a:solidFill>
-                    </a:rPr>
-                    <a:t>Command</a:t>
-                  </a:r>
-                  <a:endParaRPr lang="en-SG" sz="1600" dirty="0">
-                    <a:solidFill>
-                      <a:schemeClr val="bg1"/>
-                    </a:solidFill>
-                  </a:endParaRPr>
-                </a:p>
-              </p:txBody>
-            </p:sp>
-            <p:sp>
-              <p:nvSpPr>
-                <p:cNvPr id="54" name="Rectangle 53"/>
-                <p:cNvSpPr/>
-                <p:nvPr/>
-              </p:nvSpPr>
-              <p:spPr>
-                <a:xfrm>
-                  <a:off x="4846101" y="2586601"/>
-                  <a:ext cx="187863" cy="613799"/>
-                </a:xfrm>
-                <a:prstGeom prst="rect">
-                  <a:avLst/>
-                </a:prstGeom>
-                <a:solidFill>
-                  <a:srgbClr val="0070C0"/>
-                </a:solidFill>
-                <a:ln>
-                  <a:solidFill>
-                    <a:srgbClr val="0070C0"/>
-                  </a:solidFill>
-                </a:ln>
-                <a:effectLst/>
-              </p:spPr>
-              <p:style>
-                <a:lnRef idx="1">
-                  <a:schemeClr val="accent3"/>
-                </a:lnRef>
-                <a:fillRef idx="2">
-                  <a:schemeClr val="accent3"/>
-                </a:fillRef>
-                <a:effectRef idx="1">
-                  <a:schemeClr val="accent3"/>
-                </a:effectRef>
-                <a:fontRef idx="minor">
-                  <a:schemeClr val="dk1"/>
-                </a:fontRef>
-              </p:style>
-              <p:txBody>
-                <a:bodyPr rtlCol="0" anchor="ctr"/>
-                <a:lstStyle/>
-                <a:p>
-                  <a:pPr algn="ctr"/>
-                  <a:endParaRPr lang="en-SG" sz="1400">
-                    <a:solidFill>
-                      <a:schemeClr val="dk1"/>
-                    </a:solidFill>
-                  </a:endParaRPr>
-                </a:p>
-              </p:txBody>
-            </p:sp>
-            <p:cxnSp>
-              <p:nvCxnSpPr>
-                <p:cNvPr id="63" name="Straight Connector 62"/>
-                <p:cNvCxnSpPr>
-                  <a:stCxn id="7" idx="2"/>
-                  <a:endCxn id="54" idx="0"/>
-                </p:cNvCxnSpPr>
-                <p:nvPr/>
-              </p:nvCxnSpPr>
-              <p:spPr>
-                <a:xfrm>
-                  <a:off x="4938389" y="1892129"/>
-                  <a:ext cx="1644" cy="694472"/>
-                </a:xfrm>
-                <a:prstGeom prst="line">
-                  <a:avLst/>
-                </a:prstGeom>
-                <a:ln w="19050">
-                  <a:solidFill>
-                    <a:srgbClr val="0070C0"/>
-                  </a:solidFill>
-                  <a:prstDash val="sysDash"/>
-                </a:ln>
-                <a:effectLst/>
-              </p:spPr>
-              <p:style>
-                <a:lnRef idx="1">
-                  <a:schemeClr val="accent1"/>
-                </a:lnRef>
-                <a:fillRef idx="2">
-                  <a:schemeClr val="accent1"/>
-                </a:fillRef>
-                <a:effectRef idx="1">
-                  <a:schemeClr val="accent1"/>
-                </a:effectRef>
-                <a:fontRef idx="minor">
-                  <a:schemeClr val="dk1"/>
-                </a:fontRef>
-              </p:style>
-            </p:cxnSp>
-          </p:grpSp>
-          <p:cxnSp>
-            <p:nvCxnSpPr>
-              <p:cNvPr id="88" name="Straight Arrow Connector 87"/>
-              <p:cNvCxnSpPr/>
-              <p:nvPr/>
-            </p:nvCxnSpPr>
-            <p:spPr>
-              <a:xfrm>
-                <a:off x="4228955" y="3120001"/>
-                <a:ext cx="562007" cy="0"/>
-              </a:xfrm>
-              <a:prstGeom prst="straightConnector1">
-                <a:avLst/>
-              </a:prstGeom>
-              <a:ln w="19050">
-                <a:solidFill>
-                  <a:srgbClr val="0070C0"/>
-                </a:solidFill>
-                <a:prstDash val="sysDash"/>
-                <a:headEnd type="arrow" w="med" len="med"/>
-                <a:tailEnd type="none" w="med" len="med"/>
-              </a:ln>
-            </p:spPr>
-            <p:style>
-              <a:lnRef idx="1">
-                <a:schemeClr val="accent1"/>
-              </a:lnRef>
-              <a:fillRef idx="0">
-                <a:schemeClr val="accent1"/>
-              </a:fillRef>
-              <a:effectRef idx="0">
-                <a:schemeClr val="accent1"/>
-              </a:effectRef>
-              <a:fontRef idx="minor">
-                <a:schemeClr val="tx1"/>
-              </a:fontRef>
-            </p:style>
-          </p:cxnSp>
-        </p:grpSp>
-        <p:grpSp>
-          <p:nvGrpSpPr>
-            <p:cNvPr id="96" name="Group 95"/>
-            <p:cNvGrpSpPr/>
-            <p:nvPr/>
-          </p:nvGrpSpPr>
-          <p:grpSpPr>
-            <a:xfrm>
-              <a:off x="3135464" y="2133600"/>
-              <a:ext cx="1470840" cy="1245803"/>
-              <a:chOff x="3135464" y="2133600"/>
-              <a:chExt cx="1470840" cy="1245803"/>
-            </a:xfrm>
-          </p:grpSpPr>
-          <p:cxnSp>
-            <p:nvCxnSpPr>
-              <p:cNvPr id="41" name="Straight Arrow Connector 40"/>
-              <p:cNvCxnSpPr>
-                <a:endCxn id="6" idx="1"/>
-              </p:cNvCxnSpPr>
-              <p:nvPr/>
-            </p:nvCxnSpPr>
-            <p:spPr>
-              <a:xfrm>
-                <a:off x="3135464" y="2398435"/>
-                <a:ext cx="404040" cy="1865"/>
-              </a:xfrm>
-              <a:prstGeom prst="straightConnector1">
-                <a:avLst/>
-              </a:prstGeom>
-              <a:ln w="19050">
-                <a:solidFill>
-                  <a:srgbClr val="0070C0"/>
-                </a:solidFill>
-                <a:tailEnd type="arrow"/>
-              </a:ln>
-            </p:spPr>
-            <p:style>
-              <a:lnRef idx="1">
-                <a:schemeClr val="accent1"/>
-              </a:lnRef>
-              <a:fillRef idx="0">
-                <a:schemeClr val="accent1"/>
-              </a:fillRef>
-              <a:effectRef idx="0">
-                <a:schemeClr val="accent1"/>
-              </a:effectRef>
-              <a:fontRef idx="minor">
-                <a:schemeClr val="tx1"/>
-              </a:fontRef>
-            </p:style>
-          </p:cxnSp>
-          <p:grpSp>
-            <p:nvGrpSpPr>
-              <p:cNvPr id="53" name="Group 52"/>
-              <p:cNvGrpSpPr/>
-              <p:nvPr/>
-            </p:nvGrpSpPr>
-            <p:grpSpPr>
-              <a:xfrm>
-                <a:off x="3539504" y="2133600"/>
-                <a:ext cx="1066800" cy="1245803"/>
-                <a:chOff x="3878608" y="2133600"/>
-                <a:chExt cx="1066800" cy="1245803"/>
-              </a:xfrm>
-            </p:grpSpPr>
-            <p:sp>
-              <p:nvSpPr>
-                <p:cNvPr id="6" name="Rectangle 62"/>
-                <p:cNvSpPr/>
-                <p:nvPr/>
-              </p:nvSpPr>
-              <p:spPr>
-                <a:xfrm>
-                  <a:off x="3878608" y="2133600"/>
-                  <a:ext cx="1066800" cy="533400"/>
-                </a:xfrm>
-                <a:prstGeom prst="rect">
-                  <a:avLst/>
-                </a:prstGeom>
-                <a:solidFill>
-                  <a:srgbClr val="0070C0"/>
-                </a:solidFill>
-                <a:ln w="19050">
-                  <a:solidFill>
-                    <a:srgbClr val="0070C0"/>
-                  </a:solidFill>
-                </a:ln>
-                <a:effectLst/>
-              </p:spPr>
-              <p:style>
-                <a:lnRef idx="1">
-                  <a:schemeClr val="accent2"/>
-                </a:lnRef>
-                <a:fillRef idx="2">
-                  <a:schemeClr val="accent2"/>
-                </a:fillRef>
-                <a:effectRef idx="1">
-                  <a:schemeClr val="accent2"/>
-                </a:effectRef>
-                <a:fontRef idx="minor">
-                  <a:schemeClr val="dk1"/>
-                </a:fontRef>
-              </p:style>
-              <p:txBody>
-                <a:bodyPr rtlCol="0" anchor="ctr"/>
-                <a:lstStyle/>
-                <a:p>
-                  <a:pPr algn="ctr"/>
-                  <a:r>
-                    <a:rPr lang="en-US" sz="1600" dirty="0" smtClean="0">
-                      <a:solidFill>
-                        <a:schemeClr val="bg1"/>
-                      </a:solidFill>
-                    </a:rPr>
-                    <a:t>u:Undo</a:t>
-                  </a:r>
-                </a:p>
-                <a:p>
-                  <a:pPr algn="ctr"/>
-                  <a:r>
-                    <a:rPr lang="en-US" sz="1600" dirty="0" smtClean="0">
-                      <a:solidFill>
-                        <a:schemeClr val="bg1"/>
-                      </a:solidFill>
-                    </a:rPr>
-                    <a:t>Command</a:t>
-                  </a:r>
-                  <a:endParaRPr lang="en-SG" sz="1600" dirty="0">
-                    <a:solidFill>
-                      <a:schemeClr val="bg1"/>
-                    </a:solidFill>
-                  </a:endParaRPr>
-                </a:p>
-              </p:txBody>
-            </p:sp>
-            <p:sp>
-              <p:nvSpPr>
-                <p:cNvPr id="52" name="Rectangle 51"/>
-                <p:cNvSpPr/>
-                <p:nvPr/>
-              </p:nvSpPr>
-              <p:spPr>
-                <a:xfrm>
-                  <a:off x="4326503" y="2667000"/>
-                  <a:ext cx="239797" cy="712403"/>
-                </a:xfrm>
-                <a:prstGeom prst="rect">
-                  <a:avLst/>
-                </a:prstGeom>
-                <a:solidFill>
-                  <a:srgbClr val="0070C0"/>
-                </a:solidFill>
-                <a:ln>
-                  <a:solidFill>
-                    <a:srgbClr val="0070C0"/>
-                  </a:solidFill>
-                </a:ln>
-                <a:effectLst/>
-              </p:spPr>
-              <p:style>
-                <a:lnRef idx="1">
-                  <a:schemeClr val="accent3"/>
-                </a:lnRef>
-                <a:fillRef idx="2">
-                  <a:schemeClr val="accent3"/>
-                </a:fillRef>
-                <a:effectRef idx="1">
-                  <a:schemeClr val="accent3"/>
-                </a:effectRef>
-                <a:fontRef idx="minor">
-                  <a:schemeClr val="dk1"/>
-                </a:fontRef>
-              </p:style>
-              <p:txBody>
-                <a:bodyPr rtlCol="0" anchor="ctr"/>
-                <a:lstStyle/>
-                <a:p>
-                  <a:pPr algn="ctr"/>
-                  <a:endParaRPr lang="en-SG" sz="1400">
-                    <a:solidFill>
-                      <a:schemeClr val="dk1"/>
-                    </a:solidFill>
-                  </a:endParaRPr>
-                </a:p>
-              </p:txBody>
-            </p:sp>
-          </p:grpSp>
-          <p:cxnSp>
-            <p:nvCxnSpPr>
-              <p:cNvPr id="91" name="Straight Arrow Connector 90"/>
-              <p:cNvCxnSpPr/>
-              <p:nvPr/>
-            </p:nvCxnSpPr>
-            <p:spPr>
-              <a:xfrm>
-                <a:off x="3147997" y="3296432"/>
-                <a:ext cx="839402" cy="8127"/>
-              </a:xfrm>
-              <a:prstGeom prst="straightConnector1">
-                <a:avLst/>
-              </a:prstGeom>
-              <a:ln w="19050">
-                <a:solidFill>
-                  <a:srgbClr val="0070C0"/>
-                </a:solidFill>
-                <a:prstDash val="sysDash"/>
-                <a:headEnd type="arrow" w="med" len="med"/>
-                <a:tailEnd type="none" w="med" len="med"/>
-              </a:ln>
-            </p:spPr>
-            <p:style>
-              <a:lnRef idx="1">
-                <a:schemeClr val="accent1"/>
-              </a:lnRef>
-              <a:fillRef idx="0">
-                <a:schemeClr val="accent1"/>
-              </a:fillRef>
-              <a:effectRef idx="0">
-                <a:schemeClr val="accent1"/>
-              </a:effectRef>
-              <a:fontRef idx="minor">
-                <a:schemeClr val="tx1"/>
-              </a:fontRef>
-            </p:style>
-          </p:cxnSp>
-          <p:sp>
-            <p:nvSpPr>
-              <p:cNvPr id="95" name="TextBox 94"/>
-              <p:cNvSpPr txBox="1"/>
-              <p:nvPr/>
-            </p:nvSpPr>
-            <p:spPr>
-              <a:xfrm>
-                <a:off x="3485879" y="3047381"/>
-                <a:ext cx="220343" cy="215444"/>
-              </a:xfrm>
-              <a:prstGeom prst="rect">
-                <a:avLst/>
-              </a:prstGeom>
-              <a:noFill/>
-            </p:spPr>
-            <p:txBody>
-              <a:bodyPr wrap="square" lIns="0" tIns="0" rIns="0" bIns="0" rtlCol="0">
-                <a:spAutoFit/>
-              </a:bodyPr>
-              <a:lstStyle>
-                <a:defPPr>
-                  <a:defRPr lang="en-US"/>
-                </a:defPPr>
-                <a:lvl1pPr algn="r">
-                  <a:defRPr sz="1400">
-                    <a:solidFill>
-                      <a:srgbClr val="0070C0"/>
-                    </a:solidFill>
-                  </a:defRPr>
-                </a:lvl1pPr>
-              </a:lstStyle>
-              <a:p>
-                <a:r>
-                  <a:rPr lang="en-US" dirty="0" smtClean="0"/>
-                  <a:t>a</a:t>
-                </a:r>
-                <a:endParaRPr lang="en-US" dirty="0"/>
-              </a:p>
-            </p:txBody>
-          </p:sp>
-        </p:grpSp>
-      </p:grpSp>
-      <p:sp>
-        <p:nvSpPr>
-          <p:cNvPr id="43" name="Rectangle 42"/>
-          <p:cNvSpPr/>
-          <p:nvPr/>
-        </p:nvSpPr>
-        <p:spPr>
-          <a:xfrm>
-            <a:off x="6398736" y="4159864"/>
-            <a:ext cx="161322" cy="1019400"/>
-          </a:xfrm>
-          <a:prstGeom prst="rect">
-            <a:avLst/>
-          </a:prstGeom>
-          <a:solidFill>
-            <a:srgbClr val="0070C0"/>
-          </a:solidFill>
-          <a:ln>
-            <a:solidFill>
-              <a:srgbClr val="0070C0"/>
-            </a:solidFill>
-          </a:ln>
-          <a:effectLst/>
-        </p:spPr>
-        <p:style>
-          <a:lnRef idx="1">
-            <a:schemeClr val="accent3"/>
-          </a:lnRef>
-          <a:fillRef idx="2">
-            <a:schemeClr val="accent3"/>
-          </a:fillRef>
-          <a:effectRef idx="1">
-            <a:schemeClr val="accent3"/>
-          </a:effectRef>
-          <a:fontRef idx="minor">
-            <a:schemeClr val="dk1"/>
-          </a:fontRef>
-        </p:style>
-        <p:txBody>
-          <a:bodyPr rtlCol="0" anchor="ctr"/>
-          <a:lstStyle/>
-          <a:p>
-            <a:pPr algn="ctr"/>
-            <a:endParaRPr lang="en-SG" sz="1400"/>
-          </a:p>
-        </p:txBody>
-      </p:sp>
-      <p:cxnSp>
-        <p:nvCxnSpPr>
-          <p:cNvPr id="44" name="Straight Connector 43"/>
-          <p:cNvCxnSpPr>
-            <a:stCxn id="55" idx="2"/>
-            <a:endCxn id="43" idx="0"/>
-          </p:cNvCxnSpPr>
-          <p:nvPr/>
-        </p:nvCxnSpPr>
-        <p:spPr>
-          <a:xfrm flipH="1">
-            <a:off x="6479397" y="3037035"/>
-            <a:ext cx="277" cy="1122829"/>
-          </a:xfrm>
-          <a:prstGeom prst="line">
-            <a:avLst/>
-          </a:prstGeom>
-          <a:ln w="19050">
-            <a:solidFill>
-              <a:srgbClr val="0070C0"/>
-            </a:solidFill>
-            <a:prstDash val="sysDash"/>
-          </a:ln>
-          <a:effectLst/>
-        </p:spPr>
-        <p:style>
-          <a:lnRef idx="1">
-            <a:schemeClr val="accent1"/>
-          </a:lnRef>
-          <a:fillRef idx="2">
-            <a:schemeClr val="accent1"/>
-          </a:fillRef>
-          <a:effectRef idx="1">
-            <a:schemeClr val="accent1"/>
-          </a:effectRef>
-          <a:fontRef idx="minor">
-            <a:schemeClr val="dk1"/>
-          </a:fontRef>
-        </p:style>
-      </p:cxnSp>
-      <p:cxnSp>
-        <p:nvCxnSpPr>
-          <p:cNvPr id="51" name="Straight Connector 50"/>
-          <p:cNvCxnSpPr>
-            <a:stCxn id="9" idx="2"/>
-          </p:cNvCxnSpPr>
-          <p:nvPr/>
-        </p:nvCxnSpPr>
-        <p:spPr>
-          <a:xfrm>
-            <a:off x="7986017" y="1829017"/>
-            <a:ext cx="6654" cy="2561711"/>
-          </a:xfrm>
-          <a:prstGeom prst="line">
-            <a:avLst/>
-          </a:prstGeom>
-          <a:ln w="19050">
-            <a:solidFill>
-              <a:schemeClr val="accent4">
-                <a:lumMod val="60000"/>
-                <a:lumOff val="40000"/>
-              </a:schemeClr>
-            </a:solidFill>
-            <a:prstDash val="sysDash"/>
-          </a:ln>
-          <a:effectLst/>
-        </p:spPr>
-        <p:style>
-          <a:lnRef idx="1">
-            <a:schemeClr val="accent1"/>
-          </a:lnRef>
-          <a:fillRef idx="2">
-            <a:schemeClr val="accent1"/>
-          </a:fillRef>
-          <a:effectRef idx="1">
-            <a:schemeClr val="accent1"/>
-          </a:effectRef>
-          <a:fontRef idx="minor">
-            <a:schemeClr val="dk1"/>
-          </a:fontRef>
-        </p:style>
-      </p:cxnSp>
-      <p:sp>
-        <p:nvSpPr>
-          <p:cNvPr id="56" name="Rectangle 55"/>
-          <p:cNvSpPr/>
-          <p:nvPr/>
-        </p:nvSpPr>
-        <p:spPr>
-          <a:xfrm>
-            <a:off x="7909816" y="4214492"/>
-            <a:ext cx="170209" cy="226187"/>
-          </a:xfrm>
-          <a:prstGeom prst="rect">
-            <a:avLst/>
-          </a:prstGeom>
-          <a:solidFill>
-            <a:schemeClr val="accent4">
-              <a:lumMod val="60000"/>
-              <a:lumOff val="40000"/>
-            </a:schemeClr>
-          </a:solidFill>
-          <a:ln>
-            <a:solidFill>
-              <a:schemeClr val="accent4">
-                <a:lumMod val="60000"/>
-                <a:lumOff val="40000"/>
-              </a:schemeClr>
-            </a:solidFill>
-          </a:ln>
-          <a:effectLst/>
-        </p:spPr>
-        <p:style>
-          <a:lnRef idx="1">
-            <a:schemeClr val="accent3"/>
-          </a:lnRef>
-          <a:fillRef idx="2">
-            <a:schemeClr val="accent3"/>
-          </a:fillRef>
-          <a:effectRef idx="1">
-            <a:schemeClr val="accent3"/>
-          </a:effectRef>
-          <a:fontRef idx="minor">
-            <a:schemeClr val="dk1"/>
-          </a:fontRef>
-        </p:style>
-        <p:txBody>
-          <a:bodyPr rtlCol="0" anchor="ctr"/>
-          <a:lstStyle/>
-          <a:p>
-            <a:pPr algn="ctr"/>
-            <a:endParaRPr lang="en-SG" sz="1400">
-              <a:solidFill>
-                <a:schemeClr val="dk1"/>
-              </a:solidFill>
-            </a:endParaRPr>
-          </a:p>
-        </p:txBody>
-      </p:sp>
-      <p:cxnSp>
-        <p:nvCxnSpPr>
-          <p:cNvPr id="59" name="Straight Arrow Connector 58"/>
-          <p:cNvCxnSpPr/>
-          <p:nvPr/>
-        </p:nvCxnSpPr>
-        <p:spPr>
-          <a:xfrm>
-            <a:off x="6578231" y="4314393"/>
-            <a:ext cx="1331586" cy="1"/>
-          </a:xfrm>
-          <a:prstGeom prst="straightConnector1">
-            <a:avLst/>
-          </a:prstGeom>
-          <a:ln w="19050">
-            <a:solidFill>
-              <a:srgbClr val="0070C0"/>
-            </a:solidFill>
-            <a:tailEnd type="arrow"/>
-          </a:ln>
-        </p:spPr>
-        <p:style>
-          <a:lnRef idx="1">
-            <a:schemeClr val="accent1"/>
-          </a:lnRef>
-          <a:fillRef idx="0">
-            <a:schemeClr val="accent1"/>
-          </a:fillRef>
-          <a:effectRef idx="0">
-            <a:schemeClr val="accent1"/>
-          </a:effectRef>
-          <a:fontRef idx="minor">
-            <a:schemeClr val="tx1"/>
-          </a:fontRef>
-        </p:style>
-      </p:cxnSp>
-      <p:sp>
-        <p:nvSpPr>
-          <p:cNvPr id="60" name="Rectangle 59"/>
-          <p:cNvSpPr/>
-          <p:nvPr/>
-        </p:nvSpPr>
-        <p:spPr>
-          <a:xfrm>
-            <a:off x="7431232" y="4946727"/>
-            <a:ext cx="152400" cy="171376"/>
-          </a:xfrm>
-          <a:prstGeom prst="rect">
-            <a:avLst/>
-          </a:prstGeom>
-          <a:solidFill>
-            <a:srgbClr val="0070C0"/>
-          </a:solidFill>
-          <a:ln>
-            <a:solidFill>
-              <a:srgbClr val="0070C0"/>
-            </a:solidFill>
-          </a:ln>
-          <a:effectLst/>
-        </p:spPr>
-        <p:style>
-          <a:lnRef idx="1">
-            <a:schemeClr val="accent3"/>
-          </a:lnRef>
-          <a:fillRef idx="2">
-            <a:schemeClr val="accent3"/>
-          </a:fillRef>
-          <a:effectRef idx="1">
-            <a:schemeClr val="accent3"/>
-          </a:effectRef>
-          <a:fontRef idx="minor">
-            <a:schemeClr val="dk1"/>
-          </a:fontRef>
-        </p:style>
-        <p:txBody>
-          <a:bodyPr rtlCol="0" anchor="ctr"/>
-          <a:lstStyle/>
-          <a:p>
-            <a:pPr algn="ctr"/>
-            <a:endParaRPr lang="en-SG" sz="1400"/>
-          </a:p>
-        </p:txBody>
-      </p:sp>
-      <p:sp>
-        <p:nvSpPr>
-          <p:cNvPr id="61" name="TextBox 60"/>
-          <p:cNvSpPr txBox="1"/>
-          <p:nvPr/>
-        </p:nvSpPr>
-        <p:spPr>
-          <a:xfrm>
-            <a:off x="6381116" y="4074893"/>
-            <a:ext cx="1424846" cy="215444"/>
-          </a:xfrm>
-          <a:prstGeom prst="rect">
-            <a:avLst/>
-          </a:prstGeom>
-          <a:noFill/>
-        </p:spPr>
-        <p:txBody>
-          <a:bodyPr wrap="square" lIns="0" tIns="0" rIns="0" bIns="0" rtlCol="0">
-            <a:spAutoFit/>
-          </a:bodyPr>
-          <a:lstStyle>
-            <a:defPPr>
-              <a:defRPr lang="en-US"/>
-            </a:defPPr>
-            <a:lvl1pPr algn="r">
-              <a:defRPr sz="1400">
-                <a:solidFill>
-                  <a:srgbClr val="0070C0"/>
-                </a:solidFill>
-              </a:defRPr>
-            </a:lvl1pPr>
-          </a:lstStyle>
-          <a:p>
-            <a:r>
-              <a:rPr lang="en-US" altLang="zh-CN" dirty="0" err="1" smtClean="0">
-                <a:solidFill>
-                  <a:srgbClr val="7030A0"/>
-                </a:solidFill>
-              </a:rPr>
-              <a:t>addTask</a:t>
-            </a:r>
-            <a:r>
-              <a:rPr lang="en-US" dirty="0" smtClean="0">
-                <a:solidFill>
-                  <a:srgbClr val="7030A0"/>
-                </a:solidFill>
-              </a:rPr>
-              <a:t>(t)</a:t>
-            </a:r>
-            <a:endParaRPr lang="en-US" dirty="0">
-              <a:solidFill>
-                <a:srgbClr val="7030A0"/>
-              </a:solidFill>
-            </a:endParaRPr>
-          </a:p>
-        </p:txBody>
-      </p:sp>
-      <p:cxnSp>
-        <p:nvCxnSpPr>
-          <p:cNvPr id="62" name="Straight Arrow Connector 61"/>
-          <p:cNvCxnSpPr/>
-          <p:nvPr/>
-        </p:nvCxnSpPr>
-        <p:spPr>
-          <a:xfrm flipV="1">
-            <a:off x="6560058" y="4427487"/>
-            <a:ext cx="1432613" cy="13192"/>
-          </a:xfrm>
-          <a:prstGeom prst="straightConnector1">
-            <a:avLst/>
-          </a:prstGeom>
-          <a:ln w="19050">
-            <a:solidFill>
-              <a:schemeClr val="accent4">
-                <a:lumMod val="60000"/>
-                <a:lumOff val="40000"/>
-              </a:schemeClr>
-            </a:solidFill>
-            <a:prstDash val="sysDash"/>
-            <a:headEnd type="arrow" w="med" len="med"/>
-            <a:tailEnd type="none" w="med" len="med"/>
-          </a:ln>
-        </p:spPr>
-        <p:style>
-          <a:lnRef idx="1">
-            <a:schemeClr val="accent1"/>
-          </a:lnRef>
-          <a:fillRef idx="0">
-            <a:schemeClr val="accent1"/>
-          </a:fillRef>
-          <a:effectRef idx="0">
-            <a:schemeClr val="accent1"/>
-          </a:effectRef>
-          <a:fontRef idx="minor">
-            <a:schemeClr val="tx1"/>
-          </a:fontRef>
-        </p:style>
-      </p:cxnSp>
-      <p:cxnSp>
-        <p:nvCxnSpPr>
-          <p:cNvPr id="64" name="Straight Arrow Connector 63"/>
-          <p:cNvCxnSpPr/>
-          <p:nvPr/>
-        </p:nvCxnSpPr>
-        <p:spPr>
-          <a:xfrm>
-            <a:off x="6578231" y="4645997"/>
-            <a:ext cx="162246" cy="0"/>
-          </a:xfrm>
-          <a:prstGeom prst="straightConnector1">
-            <a:avLst/>
-          </a:prstGeom>
-          <a:ln w="19050">
-            <a:headEnd type="none" w="med" len="med"/>
-            <a:tailEnd type="arrow" w="med" len="med"/>
-          </a:ln>
-        </p:spPr>
-        <p:style>
-          <a:lnRef idx="1">
-            <a:schemeClr val="accent1"/>
-          </a:lnRef>
-          <a:fillRef idx="0">
-            <a:schemeClr val="accent1"/>
-          </a:fillRef>
-          <a:effectRef idx="0">
-            <a:schemeClr val="accent1"/>
-          </a:effectRef>
-          <a:fontRef idx="minor">
-            <a:schemeClr val="tx1"/>
-          </a:fontRef>
-        </p:style>
-      </p:cxnSp>
-      <p:cxnSp>
-        <p:nvCxnSpPr>
-          <p:cNvPr id="65" name="Straight Arrow Connector 64"/>
-          <p:cNvCxnSpPr/>
-          <p:nvPr/>
-        </p:nvCxnSpPr>
-        <p:spPr>
-          <a:xfrm>
-            <a:off x="6537136" y="5029200"/>
-            <a:ext cx="894096" cy="0"/>
-          </a:xfrm>
-          <a:prstGeom prst="straightConnector1">
-            <a:avLst/>
-          </a:prstGeom>
-          <a:ln w="19050">
-            <a:solidFill>
-              <a:srgbClr val="0070C0"/>
-            </a:solidFill>
-            <a:prstDash val="sysDash"/>
-            <a:headEnd type="arrow" w="med" len="med"/>
-            <a:tailEnd type="none" w="med" len="med"/>
-          </a:ln>
-        </p:spPr>
-        <p:style>
-          <a:lnRef idx="1">
-            <a:schemeClr val="accent1"/>
-          </a:lnRef>
-          <a:fillRef idx="0">
-            <a:schemeClr val="accent1"/>
-          </a:fillRef>
-          <a:effectRef idx="0">
-            <a:schemeClr val="accent1"/>
-          </a:effectRef>
-          <a:fontRef idx="minor">
-            <a:schemeClr val="tx1"/>
-          </a:fontRef>
-        </p:style>
-      </p:cxnSp>
-      <p:grpSp>
-        <p:nvGrpSpPr>
-          <p:cNvPr id="49" name="Group 48"/>
-          <p:cNvGrpSpPr/>
-          <p:nvPr/>
-        </p:nvGrpSpPr>
-        <p:grpSpPr>
-          <a:xfrm>
-            <a:off x="1676400" y="3975959"/>
-            <a:ext cx="2278701" cy="314377"/>
-            <a:chOff x="1676400" y="3975960"/>
-            <a:chExt cx="2342371" cy="238532"/>
-          </a:xfrm>
-        </p:grpSpPr>
-        <p:cxnSp>
-          <p:nvCxnSpPr>
-            <p:cNvPr id="68" name="Straight Arrow Connector 67"/>
-            <p:cNvCxnSpPr/>
-            <p:nvPr/>
-          </p:nvCxnSpPr>
-          <p:spPr>
-            <a:xfrm>
-              <a:off x="1676400" y="4214492"/>
-              <a:ext cx="2342371" cy="0"/>
-            </a:xfrm>
-            <a:prstGeom prst="straightConnector1">
-              <a:avLst/>
-            </a:prstGeom>
-            <a:ln w="19050">
-              <a:solidFill>
-                <a:srgbClr val="0070C0"/>
-              </a:solidFill>
-              <a:tailEnd type="arrow"/>
-            </a:ln>
-          </p:spPr>
-          <p:style>
-            <a:lnRef idx="1">
-              <a:schemeClr val="accent1"/>
-            </a:lnRef>
-            <a:fillRef idx="0">
-              <a:schemeClr val="accent1"/>
-            </a:fillRef>
-            <a:effectRef idx="0">
-              <a:schemeClr val="accent1"/>
-            </a:effectRef>
-            <a:fontRef idx="minor">
-              <a:schemeClr val="tx1"/>
-            </a:fontRef>
-          </p:style>
-        </p:cxnSp>
-        <p:sp>
-          <p:nvSpPr>
-            <p:cNvPr id="70" name="TextBox 69"/>
-            <p:cNvSpPr txBox="1"/>
-            <p:nvPr/>
-          </p:nvSpPr>
-          <p:spPr>
-            <a:xfrm>
-              <a:off x="2347741" y="3975960"/>
-              <a:ext cx="855809" cy="215444"/>
-            </a:xfrm>
-            <a:prstGeom prst="rect">
-              <a:avLst/>
-            </a:prstGeom>
-            <a:noFill/>
-          </p:spPr>
-          <p:txBody>
-            <a:bodyPr wrap="square" lIns="0" tIns="0" rIns="0" bIns="0" rtlCol="0">
-              <a:spAutoFit/>
-            </a:bodyPr>
-            <a:lstStyle>
-              <a:defPPr>
-                <a:defRPr lang="en-US"/>
-              </a:defPPr>
-              <a:lvl1pPr algn="r">
-                <a:defRPr sz="1400">
-                  <a:solidFill>
-                    <a:srgbClr val="0070C0"/>
-                  </a:solidFill>
-                </a:defRPr>
-              </a:lvl1pPr>
-            </a:lstStyle>
-            <a:p>
-              <a:r>
-                <a:rPr lang="en-US" dirty="0"/>
-                <a:t>execute()</a:t>
-              </a:r>
-            </a:p>
-          </p:txBody>
-        </p:sp>
-      </p:grpSp>
-      <p:sp>
-        <p:nvSpPr>
-          <p:cNvPr id="75" name="Rectangle 74"/>
-          <p:cNvSpPr/>
-          <p:nvPr/>
-        </p:nvSpPr>
-        <p:spPr>
-          <a:xfrm>
-            <a:off x="3962400" y="4128987"/>
-            <a:ext cx="316492" cy="1050277"/>
-          </a:xfrm>
-          <a:prstGeom prst="rect">
-            <a:avLst/>
-          </a:prstGeom>
-          <a:solidFill>
-            <a:srgbClr val="0070C0"/>
-          </a:solidFill>
-          <a:ln>
-            <a:solidFill>
-              <a:srgbClr val="0070C0"/>
-            </a:solidFill>
-          </a:ln>
-          <a:effectLst/>
-        </p:spPr>
-        <p:style>
-          <a:lnRef idx="1">
-            <a:schemeClr val="accent3"/>
-          </a:lnRef>
-          <a:fillRef idx="2">
-            <a:schemeClr val="accent3"/>
-          </a:fillRef>
-          <a:effectRef idx="1">
-            <a:schemeClr val="accent3"/>
-          </a:effectRef>
-          <a:fontRef idx="minor">
-            <a:schemeClr val="dk1"/>
-          </a:fontRef>
-        </p:style>
-        <p:txBody>
-          <a:bodyPr rtlCol="0" anchor="ctr"/>
-          <a:lstStyle/>
-          <a:p>
-            <a:pPr algn="ctr"/>
-            <a:endParaRPr lang="en-SG" sz="1400">
-              <a:solidFill>
-                <a:schemeClr val="dk1"/>
-              </a:solidFill>
-            </a:endParaRPr>
-          </a:p>
-        </p:txBody>
-      </p:sp>
-      <p:grpSp>
-        <p:nvGrpSpPr>
-          <p:cNvPr id="80" name="Group 79"/>
-          <p:cNvGrpSpPr/>
-          <p:nvPr/>
-        </p:nvGrpSpPr>
-        <p:grpSpPr>
-          <a:xfrm>
-            <a:off x="4227196" y="4125426"/>
-            <a:ext cx="2188079" cy="244914"/>
-            <a:chOff x="1676400" y="4039063"/>
-            <a:chExt cx="2342371" cy="175429"/>
-          </a:xfrm>
-        </p:grpSpPr>
-        <p:cxnSp>
-          <p:nvCxnSpPr>
-            <p:cNvPr id="81" name="Straight Arrow Connector 80"/>
-            <p:cNvCxnSpPr/>
-            <p:nvPr/>
-          </p:nvCxnSpPr>
-          <p:spPr>
-            <a:xfrm>
-              <a:off x="1676400" y="4214492"/>
-              <a:ext cx="2342371" cy="0"/>
-            </a:xfrm>
-            <a:prstGeom prst="straightConnector1">
-              <a:avLst/>
-            </a:prstGeom>
-            <a:ln w="19050">
-              <a:solidFill>
-                <a:srgbClr val="0070C0"/>
-              </a:solidFill>
-              <a:tailEnd type="arrow"/>
-            </a:ln>
-          </p:spPr>
-          <p:style>
-            <a:lnRef idx="1">
-              <a:schemeClr val="accent1"/>
-            </a:lnRef>
-            <a:fillRef idx="0">
-              <a:schemeClr val="accent1"/>
-            </a:fillRef>
-            <a:effectRef idx="0">
-              <a:schemeClr val="accent1"/>
-            </a:effectRef>
-            <a:fontRef idx="minor">
-              <a:schemeClr val="tx1"/>
-            </a:fontRef>
-          </p:style>
-        </p:cxnSp>
-        <p:sp>
-          <p:nvSpPr>
-            <p:cNvPr id="82" name="TextBox 81"/>
-            <p:cNvSpPr txBox="1"/>
-            <p:nvPr/>
-          </p:nvSpPr>
-          <p:spPr>
-            <a:xfrm>
-              <a:off x="2349255" y="4039063"/>
-              <a:ext cx="1195212" cy="154320"/>
-            </a:xfrm>
-            <a:prstGeom prst="rect">
-              <a:avLst/>
-            </a:prstGeom>
-            <a:noFill/>
-          </p:spPr>
-          <p:txBody>
-            <a:bodyPr wrap="square" lIns="0" tIns="0" rIns="0" bIns="0" rtlCol="0">
-              <a:spAutoFit/>
-            </a:bodyPr>
-            <a:lstStyle>
-              <a:defPPr>
-                <a:defRPr lang="en-US"/>
-              </a:defPPr>
-              <a:lvl1pPr algn="r">
-                <a:defRPr sz="1400">
-                  <a:solidFill>
-                    <a:srgbClr val="0070C0"/>
-                  </a:solidFill>
-                </a:defRPr>
-              </a:lvl1pPr>
-            </a:lstStyle>
-            <a:p>
-              <a:r>
-                <a:rPr lang="en-US" dirty="0" err="1" smtClean="0"/>
-                <a:t>executeUndo</a:t>
-              </a:r>
-              <a:r>
-                <a:rPr lang="en-US" dirty="0" smtClean="0"/>
-                <a:t>()</a:t>
-              </a:r>
-              <a:endParaRPr lang="en-US" dirty="0"/>
-            </a:p>
-          </p:txBody>
-        </p:sp>
-      </p:grpSp>
-      <p:cxnSp>
-        <p:nvCxnSpPr>
-          <p:cNvPr id="83" name="Straight Connector 82"/>
-          <p:cNvCxnSpPr>
-            <a:stCxn id="52" idx="2"/>
-            <a:endCxn id="75" idx="0"/>
-          </p:cNvCxnSpPr>
-          <p:nvPr/>
-        </p:nvCxnSpPr>
-        <p:spPr>
-          <a:xfrm>
-            <a:off x="4107298" y="3379403"/>
-            <a:ext cx="13348" cy="749584"/>
-          </a:xfrm>
-          <a:prstGeom prst="line">
-            <a:avLst/>
-          </a:prstGeom>
-          <a:ln w="19050">
-            <a:solidFill>
-              <a:srgbClr val="0070C0"/>
-            </a:solidFill>
-            <a:prstDash val="sysDash"/>
-          </a:ln>
-          <a:effectLst/>
-        </p:spPr>
-        <p:style>
-          <a:lnRef idx="1">
-            <a:schemeClr val="accent1"/>
-          </a:lnRef>
-          <a:fillRef idx="2">
-            <a:schemeClr val="accent1"/>
-          </a:fillRef>
-          <a:effectRef idx="1">
-            <a:schemeClr val="accent1"/>
-          </a:effectRef>
-          <a:fontRef idx="minor">
-            <a:schemeClr val="dk1"/>
-          </a:fontRef>
-        </p:style>
-      </p:cxnSp>
-      <p:grpSp>
-        <p:nvGrpSpPr>
-          <p:cNvPr id="77" name="Group 76"/>
-          <p:cNvGrpSpPr/>
-          <p:nvPr/>
-        </p:nvGrpSpPr>
-        <p:grpSpPr>
-          <a:xfrm>
-            <a:off x="1698936" y="4823585"/>
-            <a:ext cx="2263464" cy="266238"/>
-            <a:chOff x="1698936" y="4823585"/>
-            <a:chExt cx="2263464" cy="266238"/>
-          </a:xfrm>
-        </p:grpSpPr>
-        <p:cxnSp>
-          <p:nvCxnSpPr>
-            <p:cNvPr id="71" name="Straight Arrow Connector 70"/>
-            <p:cNvCxnSpPr/>
-            <p:nvPr/>
-          </p:nvCxnSpPr>
-          <p:spPr>
-            <a:xfrm>
-              <a:off x="1698936" y="5069470"/>
-              <a:ext cx="2263464" cy="20353"/>
-            </a:xfrm>
-            <a:prstGeom prst="straightConnector1">
-              <a:avLst/>
-            </a:prstGeom>
-            <a:ln w="19050">
-              <a:solidFill>
-                <a:srgbClr val="0070C0"/>
-              </a:solidFill>
-              <a:prstDash val="sysDash"/>
-              <a:headEnd type="arrow" w="med" len="med"/>
-              <a:tailEnd type="none" w="med" len="med"/>
-            </a:ln>
-          </p:spPr>
-          <p:style>
-            <a:lnRef idx="1">
-              <a:schemeClr val="accent1"/>
-            </a:lnRef>
-            <a:fillRef idx="0">
-              <a:schemeClr val="accent1"/>
-            </a:fillRef>
-            <a:effectRef idx="0">
-              <a:schemeClr val="accent1"/>
-            </a:effectRef>
-            <a:fontRef idx="minor">
-              <a:schemeClr val="tx1"/>
-            </a:fontRef>
-          </p:style>
-        </p:cxnSp>
-        <p:sp>
-          <p:nvSpPr>
-            <p:cNvPr id="89" name="TextBox 88"/>
-            <p:cNvSpPr txBox="1"/>
-            <p:nvPr/>
-          </p:nvSpPr>
-          <p:spPr>
-            <a:xfrm>
-              <a:off x="2470010" y="4823585"/>
-              <a:ext cx="621216" cy="215444"/>
-            </a:xfrm>
-            <a:prstGeom prst="rect">
-              <a:avLst/>
-            </a:prstGeom>
-            <a:noFill/>
-          </p:spPr>
-          <p:txBody>
-            <a:bodyPr wrap="square" lIns="0" tIns="0" rIns="0" bIns="0" rtlCol="0">
-              <a:spAutoFit/>
-            </a:bodyPr>
-            <a:lstStyle>
-              <a:defPPr>
-                <a:defRPr lang="en-US"/>
-              </a:defPPr>
-              <a:lvl1pPr algn="r">
-                <a:defRPr sz="1400">
-                  <a:solidFill>
-                    <a:srgbClr val="0070C0"/>
-                  </a:solidFill>
-                </a:defRPr>
-              </a:lvl1pPr>
-            </a:lstStyle>
-            <a:p>
-              <a:r>
-                <a:rPr lang="en-US" dirty="0" smtClean="0"/>
-                <a:t>result</a:t>
-              </a:r>
-              <a:endParaRPr lang="en-US" dirty="0"/>
-            </a:p>
-          </p:txBody>
-        </p:sp>
-      </p:grpSp>
-      <p:grpSp>
-        <p:nvGrpSpPr>
-          <p:cNvPr id="92" name="Group 91"/>
-          <p:cNvGrpSpPr/>
-          <p:nvPr/>
-        </p:nvGrpSpPr>
-        <p:grpSpPr>
-          <a:xfrm>
-            <a:off x="4286190" y="4833619"/>
-            <a:ext cx="2112545" cy="284483"/>
-            <a:chOff x="1698936" y="4823585"/>
-            <a:chExt cx="2263464" cy="266238"/>
-          </a:xfrm>
-        </p:grpSpPr>
-        <p:cxnSp>
-          <p:nvCxnSpPr>
-            <p:cNvPr id="93" name="Straight Arrow Connector 92"/>
-            <p:cNvCxnSpPr/>
-            <p:nvPr/>
-          </p:nvCxnSpPr>
-          <p:spPr>
-            <a:xfrm>
-              <a:off x="1698936" y="5069470"/>
-              <a:ext cx="2263464" cy="20353"/>
-            </a:xfrm>
-            <a:prstGeom prst="straightConnector1">
-              <a:avLst/>
-            </a:prstGeom>
-            <a:ln w="19050">
-              <a:solidFill>
-                <a:srgbClr val="0070C0"/>
-              </a:solidFill>
-              <a:prstDash val="sysDash"/>
-              <a:headEnd type="arrow" w="med" len="med"/>
-              <a:tailEnd type="none" w="med" len="med"/>
-            </a:ln>
-          </p:spPr>
-          <p:style>
-            <a:lnRef idx="1">
-              <a:schemeClr val="accent1"/>
-            </a:lnRef>
-            <a:fillRef idx="0">
-              <a:schemeClr val="accent1"/>
-            </a:fillRef>
-            <a:effectRef idx="0">
-              <a:schemeClr val="accent1"/>
-            </a:effectRef>
-            <a:fontRef idx="minor">
-              <a:schemeClr val="tx1"/>
-            </a:fontRef>
-          </p:style>
-        </p:cxnSp>
-        <p:sp>
-          <p:nvSpPr>
-            <p:cNvPr id="94" name="TextBox 93"/>
-            <p:cNvSpPr txBox="1"/>
-            <p:nvPr/>
-          </p:nvSpPr>
-          <p:spPr>
-            <a:xfrm>
-              <a:off x="2470010" y="4823585"/>
-              <a:ext cx="621216" cy="215444"/>
-            </a:xfrm>
-            <a:prstGeom prst="rect">
-              <a:avLst/>
-            </a:prstGeom>
-            <a:noFill/>
-          </p:spPr>
-          <p:txBody>
-            <a:bodyPr wrap="square" lIns="0" tIns="0" rIns="0" bIns="0" rtlCol="0">
-              <a:spAutoFit/>
-            </a:bodyPr>
-            <a:lstStyle>
-              <a:defPPr>
-                <a:defRPr lang="en-US"/>
-              </a:defPPr>
-              <a:lvl1pPr algn="r">
-                <a:defRPr sz="1400">
-                  <a:solidFill>
-                    <a:srgbClr val="0070C0"/>
-                  </a:solidFill>
-                </a:defRPr>
-              </a:lvl1pPr>
-            </a:lstStyle>
-            <a:p>
-              <a:r>
-                <a:rPr lang="en-US" dirty="0" smtClean="0"/>
-                <a:t>result</a:t>
-              </a:r>
-              <a:endParaRPr lang="en-US" dirty="0"/>
-            </a:p>
-          </p:txBody>
-        </p:sp>
-      </p:grpSp>
-    </p:spTree>
-    <p:extLst>
-      <p:ext uri="{BB962C8B-B14F-4D97-AF65-F5344CB8AC3E}">
-        <p14:creationId xmlns:p14="http://schemas.microsoft.com/office/powerpoint/2010/main" val="2287716461"/>
-      </p:ext>
-    </p:extLst>
-  </p:cSld>
-  <p:clrMapOvr>
-    <a:masterClrMapping/>
-  </p:clrMapOvr>
+  <p:timing>
+    <p:tnLst>
+      <p:par>
+        <p:cTn id="1" dur="indefinite" restart="never" nodeType="tmRoot"/>
+      </p:par>
+    </p:tnLst>
+  </p:timing>
 </p:sld>
 </file>
 
